--- a/doc/Sidang Skripsi 1.pptx
+++ b/doc/Sidang Skripsi 1.pptx
@@ -211,7 +211,7 @@
           <a:p>
             <a:fld id="{398FF8D2-A4E3-1343-AB49-DFC9C6F4D73B}" type="datetimeFigureOut">
               <a:rPr lang="en-US" smtClean="0"/>
-              <a:t>12/4/17</a:t>
+              <a:t>12/10/18</a:t>
             </a:fld>
             <a:endParaRPr lang="en-US"/>
           </a:p>
@@ -275,38 +275,37 @@
           <a:p>
             <a:pPr lvl="0"/>
             <a:r>
-              <a:rPr lang="en-US" smtClean="0"/>
+              <a:rPr lang="en-US"/>
               <a:t>Click to edit Master text styles</a:t>
             </a:r>
           </a:p>
           <a:p>
             <a:pPr lvl="1"/>
             <a:r>
-              <a:rPr lang="en-US" smtClean="0"/>
+              <a:rPr lang="en-US"/>
               <a:t>Second level</a:t>
             </a:r>
           </a:p>
           <a:p>
             <a:pPr lvl="2"/>
             <a:r>
-              <a:rPr lang="en-US" smtClean="0"/>
+              <a:rPr lang="en-US"/>
               <a:t>Third level</a:t>
             </a:r>
           </a:p>
           <a:p>
             <a:pPr lvl="3"/>
             <a:r>
-              <a:rPr lang="en-US" smtClean="0"/>
+              <a:rPr lang="en-US"/>
               <a:t>Fourth level</a:t>
             </a:r>
           </a:p>
           <a:p>
             <a:pPr lvl="4"/>
             <a:r>
-              <a:rPr lang="en-US" smtClean="0"/>
+              <a:rPr lang="en-US"/>
               <a:t>Fifth level</a:t>
             </a:r>
-            <a:endParaRPr lang="en-US"/>
           </a:p>
         </p:txBody>
       </p:sp>
@@ -524,88 +523,84 @@
           <a:lstStyle/>
           <a:p>
             <a:r>
-              <a:rPr lang="en-US" dirty="0" err="1" smtClean="0"/>
+              <a:rPr lang="en-US" dirty="0" err="1"/>
               <a:t>Selamat</a:t>
             </a:r>
             <a:r>
-              <a:rPr lang="en-US" baseline="0" dirty="0" smtClean="0"/>
-              <a:t> </a:t>
-            </a:r>
-            <a:r>
-              <a:rPr lang="en-US" baseline="0" dirty="0" err="1" smtClean="0"/>
+              <a:rPr lang="en-US" baseline="0" dirty="0"/>
+              <a:t> </a:t>
+            </a:r>
+            <a:r>
+              <a:rPr lang="en-US" baseline="0" dirty="0" err="1"/>
               <a:t>siang</a:t>
             </a:r>
             <a:r>
-              <a:rPr lang="en-US" baseline="0" dirty="0" smtClean="0"/>
-              <a:t> </a:t>
-            </a:r>
-            <a:r>
-              <a:rPr lang="en-US" baseline="0" dirty="0" err="1" smtClean="0"/>
+              <a:rPr lang="en-US" baseline="0" dirty="0"/>
+              <a:t> </a:t>
+            </a:r>
+            <a:r>
+              <a:rPr lang="en-US" baseline="0" dirty="0" err="1"/>
               <a:t>pak</a:t>
             </a:r>
             <a:r>
-              <a:rPr lang="en-US" baseline="0" dirty="0" smtClean="0"/>
+              <a:rPr lang="en-US" baseline="0" dirty="0"/>
               <a:t> pascal </a:t>
             </a:r>
             <a:r>
-              <a:rPr lang="en-US" baseline="0" dirty="0" err="1" smtClean="0"/>
+              <a:rPr lang="en-US" baseline="0" dirty="0" err="1"/>
               <a:t>selaku</a:t>
             </a:r>
             <a:r>
-              <a:rPr lang="en-US" baseline="0" dirty="0" smtClean="0"/>
-              <a:t> </a:t>
-            </a:r>
-            <a:r>
-              <a:rPr lang="en-US" baseline="0" dirty="0" err="1" smtClean="0"/>
+              <a:rPr lang="en-US" baseline="0" dirty="0"/>
+              <a:t> </a:t>
+            </a:r>
+            <a:r>
+              <a:rPr lang="en-US" baseline="0" dirty="0" err="1"/>
               <a:t>dosen</a:t>
             </a:r>
             <a:r>
-              <a:rPr lang="en-US" baseline="0" dirty="0" smtClean="0"/>
-              <a:t> </a:t>
-            </a:r>
-            <a:r>
-              <a:rPr lang="en-US" baseline="0" dirty="0" err="1" smtClean="0"/>
+              <a:rPr lang="en-US" baseline="0" dirty="0"/>
+              <a:t> </a:t>
+            </a:r>
+            <a:r>
+              <a:rPr lang="en-US" baseline="0" dirty="0" err="1"/>
               <a:t>pembimbing</a:t>
             </a:r>
             <a:r>
-              <a:rPr lang="en-US" baseline="0" dirty="0" smtClean="0"/>
-              <a:t> </a:t>
-            </a:r>
-            <a:r>
-              <a:rPr lang="en-US" baseline="0" dirty="0" err="1" smtClean="0"/>
+              <a:rPr lang="en-US" baseline="0" dirty="0"/>
+              <a:t> </a:t>
+            </a:r>
+            <a:r>
+              <a:rPr lang="en-US" baseline="0" dirty="0" err="1"/>
               <a:t>dan</a:t>
             </a:r>
             <a:r>
-              <a:rPr lang="en-US" baseline="0" dirty="0" smtClean="0"/>
-              <a:t> </a:t>
-            </a:r>
-            <a:r>
-              <a:rPr lang="en-US" baseline="0" dirty="0" err="1" smtClean="0"/>
+              <a:rPr lang="en-US" baseline="0" dirty="0"/>
+              <a:t> </a:t>
+            </a:r>
+            <a:r>
+              <a:rPr lang="en-US" baseline="0" dirty="0" err="1"/>
               <a:t>pak</a:t>
             </a:r>
             <a:r>
-              <a:rPr lang="en-US" baseline="0" dirty="0" smtClean="0"/>
-              <a:t> </a:t>
-            </a:r>
-            <a:r>
-              <a:rPr lang="en-US" baseline="0" dirty="0" err="1" smtClean="0"/>
+              <a:rPr lang="en-US" baseline="0" dirty="0"/>
+              <a:t> </a:t>
+            </a:r>
+            <a:r>
+              <a:rPr lang="en-US" baseline="0" dirty="0" err="1"/>
               <a:t>anung</a:t>
             </a:r>
             <a:r>
-              <a:rPr lang="en-US" baseline="0" dirty="0" smtClean="0"/>
-              <a:t> </a:t>
-            </a:r>
-            <a:r>
-              <a:rPr lang="en-US" baseline="0" dirty="0" err="1" smtClean="0"/>
+              <a:rPr lang="en-US" baseline="0" dirty="0"/>
+              <a:t> </a:t>
+            </a:r>
+            <a:r>
+              <a:rPr lang="en-US" baseline="0" dirty="0" err="1"/>
               <a:t>sebagai</a:t>
             </a:r>
             <a:r>
-              <a:rPr lang="en-US" baseline="0" dirty="0" smtClean="0"/>
-              <a:t> reviewer</a:t>
-            </a:r>
-            <a:r>
-              <a:rPr lang="en-US" baseline="0" dirty="0" smtClean="0"/>
-              <a:t>.</a:t>
+              <a:rPr lang="en-US" baseline="0" dirty="0"/>
+              <a:t> reviewer.</a:t>
             </a:r>
             <a:endParaRPr lang="en-US" dirty="0"/>
           </a:p>
@@ -691,40 +686,227 @@
           <a:bodyPr/>
           <a:lstStyle/>
           <a:p>
-            <a:r>
-              <a:rPr lang="en-US" dirty="0" err="1" smtClean="0"/>
+            <a:pPr marL="171450" indent="-171450">
+              <a:buFont typeface="Arial" charset="0"/>
+              <a:buChar char="•"/>
+            </a:pPr>
+            <a:r>
+              <a:rPr lang="en-US" dirty="0" err="1"/>
+              <a:t>Mengkonversi</a:t>
+            </a:r>
+            <a:r>
+              <a:rPr lang="en-US" dirty="0"/>
+              <a:t> </a:t>
+            </a:r>
+            <a:r>
+              <a:rPr lang="en-US" dirty="0" err="1"/>
+              <a:t>sekumpulan</a:t>
+            </a:r>
+            <a:r>
+              <a:rPr lang="en-US" dirty="0"/>
+              <a:t> file java </a:t>
+            </a:r>
+            <a:r>
+              <a:rPr lang="en-US" dirty="0" err="1"/>
+              <a:t>dalam</a:t>
+            </a:r>
+            <a:r>
+              <a:rPr lang="en-US" dirty="0"/>
+              <a:t> 1 package yang </a:t>
+            </a:r>
+            <a:r>
+              <a:rPr lang="en-US" dirty="0" err="1"/>
+              <a:t>sama</a:t>
+            </a:r>
+            <a:endParaRPr lang="en-US" dirty="0"/>
+          </a:p>
+          <a:p>
+            <a:pPr marL="171450" indent="-171450">
+              <a:buFont typeface="Arial" charset="0"/>
+              <a:buChar char="•"/>
+            </a:pPr>
+            <a:r>
+              <a:rPr lang="en-US" dirty="0" err="1"/>
+              <a:t>Menghasilkan</a:t>
+            </a:r>
+            <a:r>
+              <a:rPr lang="en-US" dirty="0"/>
+              <a:t> output  = File </a:t>
+            </a:r>
+            <a:r>
+              <a:rPr lang="en-US" dirty="0" err="1"/>
+              <a:t>LaTeX</a:t>
+            </a:r>
+            <a:r>
+              <a:rPr lang="en-US" dirty="0"/>
+              <a:t> / File PDF</a:t>
+            </a:r>
+          </a:p>
+          <a:p>
+            <a:pPr marL="171450" indent="-171450">
+              <a:buFont typeface="Arial" charset="0"/>
+              <a:buChar char="•"/>
+            </a:pPr>
+            <a:r>
+              <a:rPr lang="en-US" dirty="0" err="1"/>
+              <a:t>Perbedaan</a:t>
+            </a:r>
+            <a:r>
+              <a:rPr lang="en-US" dirty="0"/>
+              <a:t> -&gt; </a:t>
+            </a:r>
+            <a:r>
+              <a:rPr lang="en-US" dirty="0" err="1"/>
+              <a:t>TeXDoclet</a:t>
+            </a:r>
+            <a:r>
+              <a:rPr lang="en-US" baseline="0" dirty="0"/>
+              <a:t> </a:t>
+            </a:r>
+            <a:r>
+              <a:rPr lang="en-US" baseline="0" dirty="0" err="1"/>
+              <a:t>dapat</a:t>
+            </a:r>
+            <a:r>
+              <a:rPr lang="en-US" baseline="0" dirty="0"/>
+              <a:t> </a:t>
+            </a:r>
+            <a:r>
+              <a:rPr lang="en-US" baseline="0" dirty="0" err="1"/>
+              <a:t>menghasilkan</a:t>
+            </a:r>
+            <a:r>
+              <a:rPr lang="en-US" baseline="0" dirty="0"/>
+              <a:t> output PDF</a:t>
+            </a:r>
+            <a:endParaRPr lang="en-US" dirty="0"/>
+          </a:p>
+          <a:p>
+            <a:pPr marL="171450" indent="-171450">
+              <a:buFontTx/>
+              <a:buChar char="-"/>
+            </a:pPr>
+            <a:endParaRPr lang="en-US" dirty="0"/>
+          </a:p>
+          <a:p>
+            <a:endParaRPr lang="en-US" dirty="0"/>
+          </a:p>
+        </p:txBody>
+      </p:sp>
+      <p:sp>
+        <p:nvSpPr>
+          <p:cNvPr id="4" name="Slide Number Placeholder 3"/>
+          <p:cNvSpPr>
+            <a:spLocks noGrp="1"/>
+          </p:cNvSpPr>
+          <p:nvPr>
+            <p:ph type="sldNum" sz="quarter" idx="10"/>
+          </p:nvPr>
+        </p:nvSpPr>
+        <p:spPr/>
+        <p:txBody>
+          <a:bodyPr/>
+          <a:lstStyle/>
+          <a:p>
+            <a:fld id="{D3273E86-8B5A-5F41-B9A4-689B74E91ED5}" type="slidenum">
+              <a:rPr lang="en-US" smtClean="0"/>
+              <a:t>14</a:t>
+            </a:fld>
+            <a:endParaRPr lang="en-US"/>
+          </a:p>
+        </p:txBody>
+      </p:sp>
+    </p:spTree>
+    <p:extLst>
+      <p:ext uri="{BB962C8B-B14F-4D97-AF65-F5344CB8AC3E}">
+        <p14:creationId xmlns:p14="http://schemas.microsoft.com/office/powerpoint/2010/main" val="346545306"/>
+      </p:ext>
+    </p:extLst>
+  </p:cSld>
+  <p:clrMapOvr>
+    <a:masterClrMapping/>
+  </p:clrMapOvr>
+</p:notes>
+</file>
+
+<file path=ppt/notesSlides/notesSlide11.xml><?xml version="1.0" encoding="utf-8"?>
+<p:notes xmlns:a="http://schemas.openxmlformats.org/drawingml/2006/main" xmlns:r="http://schemas.openxmlformats.org/officeDocument/2006/relationships" xmlns:p="http://schemas.openxmlformats.org/presentationml/2006/main">
+  <p:cSld>
+    <p:spTree>
+      <p:nvGrpSpPr>
+        <p:cNvPr id="1" name=""/>
+        <p:cNvGrpSpPr/>
+        <p:nvPr/>
+      </p:nvGrpSpPr>
+      <p:grpSpPr>
+        <a:xfrm>
+          <a:off x="0" y="0"/>
+          <a:ext cx="0" cy="0"/>
+          <a:chOff x="0" y="0"/>
+          <a:chExt cx="0" cy="0"/>
+        </a:xfrm>
+      </p:grpSpPr>
+      <p:sp>
+        <p:nvSpPr>
+          <p:cNvPr id="2" name="Slide Image Placeholder 1"/>
+          <p:cNvSpPr>
+            <a:spLocks noGrp="1" noRot="1" noChangeAspect="1"/>
+          </p:cNvSpPr>
+          <p:nvPr>
+            <p:ph type="sldImg"/>
+          </p:nvPr>
+        </p:nvSpPr>
+        <p:spPr/>
+      </p:sp>
+      <p:sp>
+        <p:nvSpPr>
+          <p:cNvPr id="3" name="Notes Placeholder 2"/>
+          <p:cNvSpPr>
+            <a:spLocks noGrp="1"/>
+          </p:cNvSpPr>
+          <p:nvPr>
+            <p:ph type="body" idx="1"/>
+          </p:nvPr>
+        </p:nvSpPr>
+        <p:spPr/>
+        <p:txBody>
+          <a:bodyPr/>
+          <a:lstStyle/>
+          <a:p>
+            <a:r>
+              <a:rPr lang="en-US" dirty="0" err="1"/>
               <a:t>Berikut</a:t>
             </a:r>
             <a:r>
-              <a:rPr lang="en-US" dirty="0" smtClean="0"/>
-              <a:t> </a:t>
-            </a:r>
-            <a:r>
-              <a:rPr lang="en-US" dirty="0" err="1" smtClean="0"/>
+              <a:rPr lang="en-US" dirty="0"/>
+              <a:t> </a:t>
+            </a:r>
+            <a:r>
+              <a:rPr lang="en-US" dirty="0" err="1"/>
               <a:t>adalah</a:t>
             </a:r>
             <a:r>
-              <a:rPr lang="en-US" dirty="0" smtClean="0"/>
+              <a:rPr lang="en-US" dirty="0"/>
               <a:t> progress </a:t>
             </a:r>
             <a:r>
-              <a:rPr lang="en-US" dirty="0" err="1" smtClean="0"/>
+              <a:rPr lang="en-US" dirty="0" err="1"/>
               <a:t>pengerjaan</a:t>
             </a:r>
             <a:r>
-              <a:rPr lang="en-US" dirty="0" smtClean="0"/>
-              <a:t> </a:t>
-            </a:r>
-            <a:r>
-              <a:rPr lang="en-US" dirty="0" err="1" smtClean="0"/>
+              <a:rPr lang="en-US" dirty="0"/>
+              <a:t> </a:t>
+            </a:r>
+            <a:r>
+              <a:rPr lang="en-US" dirty="0" err="1"/>
               <a:t>skripsi</a:t>
             </a:r>
             <a:r>
-              <a:rPr lang="en-US" dirty="0" smtClean="0"/>
+              <a:rPr lang="en-US" dirty="0"/>
               <a:t> 1 </a:t>
             </a:r>
             <a:r>
-              <a:rPr lang="en-US" dirty="0" err="1" smtClean="0"/>
+              <a:rPr lang="en-US" dirty="0" err="1"/>
               <a:t>saya</a:t>
             </a:r>
             <a:endParaRPr lang="en-US" dirty="0"/>
@@ -816,74 +998,74 @@
               <a:buChar char="•"/>
             </a:pPr>
             <a:r>
-              <a:rPr lang="en-US" baseline="0" dirty="0" err="1" smtClean="0"/>
+              <a:rPr lang="en-US" baseline="0" dirty="0" err="1"/>
               <a:t>Saat</a:t>
             </a:r>
             <a:r>
-              <a:rPr lang="en-US" baseline="0" dirty="0" smtClean="0"/>
-              <a:t> </a:t>
-            </a:r>
-            <a:r>
-              <a:rPr lang="en-US" baseline="0" dirty="0" err="1" smtClean="0"/>
+              <a:rPr lang="en-US" baseline="0" dirty="0"/>
+              <a:t> </a:t>
+            </a:r>
+            <a:r>
+              <a:rPr lang="en-US" baseline="0" dirty="0" err="1"/>
               <a:t>ini</a:t>
             </a:r>
             <a:r>
-              <a:rPr lang="en-US" baseline="0" dirty="0" smtClean="0"/>
-              <a:t> </a:t>
-            </a:r>
-            <a:r>
-              <a:rPr lang="en-US" baseline="0" dirty="0" err="1" smtClean="0"/>
+              <a:rPr lang="en-US" baseline="0" dirty="0"/>
+              <a:t> </a:t>
+            </a:r>
+            <a:r>
+              <a:rPr lang="en-US" baseline="0" dirty="0" err="1"/>
               <a:t>skripsi</a:t>
             </a:r>
             <a:r>
-              <a:rPr lang="en-US" baseline="0" dirty="0" smtClean="0"/>
+              <a:rPr lang="en-US" baseline="0" dirty="0"/>
               <a:t> yang </a:t>
             </a:r>
             <a:r>
-              <a:rPr lang="en-US" baseline="0" dirty="0" err="1" smtClean="0"/>
+              <a:rPr lang="en-US" baseline="0" dirty="0" err="1"/>
               <a:t>dibuat</a:t>
             </a:r>
             <a:r>
-              <a:rPr lang="en-US" baseline="0" dirty="0" smtClean="0"/>
-              <a:t> </a:t>
-            </a:r>
-            <a:r>
-              <a:rPr lang="en-US" baseline="0" dirty="0" err="1" smtClean="0"/>
+              <a:rPr lang="en-US" baseline="0" dirty="0"/>
+              <a:t> </a:t>
+            </a:r>
+            <a:r>
+              <a:rPr lang="en-US" baseline="0" dirty="0" err="1"/>
               <a:t>oleh</a:t>
             </a:r>
             <a:r>
-              <a:rPr lang="en-US" baseline="0" dirty="0" smtClean="0"/>
-              <a:t> </a:t>
-            </a:r>
-            <a:r>
-              <a:rPr lang="en-US" baseline="0" dirty="0" err="1" smtClean="0"/>
+              <a:rPr lang="en-US" baseline="0" dirty="0"/>
+              <a:t> </a:t>
+            </a:r>
+            <a:r>
+              <a:rPr lang="en-US" baseline="0" dirty="0" err="1"/>
               <a:t>mahasiswa</a:t>
             </a:r>
             <a:r>
-              <a:rPr lang="en-US" baseline="0" dirty="0" smtClean="0"/>
+              <a:rPr lang="en-US" baseline="0" dirty="0"/>
               <a:t> program </a:t>
             </a:r>
             <a:r>
-              <a:rPr lang="en-US" baseline="0" dirty="0" err="1" smtClean="0"/>
+              <a:rPr lang="en-US" baseline="0" dirty="0" err="1"/>
               <a:t>studi</a:t>
             </a:r>
             <a:r>
-              <a:rPr lang="en-US" baseline="0" dirty="0" smtClean="0"/>
-              <a:t> </a:t>
-            </a:r>
-            <a:r>
-              <a:rPr lang="en-US" baseline="0" dirty="0" err="1" smtClean="0"/>
+              <a:rPr lang="en-US" baseline="0" dirty="0"/>
+              <a:t> </a:t>
+            </a:r>
+            <a:r>
+              <a:rPr lang="en-US" baseline="0" dirty="0" err="1"/>
               <a:t>teknik</a:t>
             </a:r>
             <a:r>
-              <a:rPr lang="en-US" baseline="0" dirty="0" smtClean="0"/>
-              <a:t> </a:t>
-            </a:r>
-            <a:r>
-              <a:rPr lang="en-US" baseline="0" dirty="0" err="1" smtClean="0"/>
+              <a:rPr lang="en-US" baseline="0" dirty="0"/>
+              <a:t> </a:t>
+            </a:r>
+            <a:r>
+              <a:rPr lang="en-US" baseline="0" dirty="0" err="1"/>
               <a:t>informatika</a:t>
             </a:r>
-            <a:endParaRPr lang="en-US" baseline="0" dirty="0" smtClean="0"/>
+            <a:endParaRPr lang="en-US" baseline="0" dirty="0"/>
           </a:p>
           <a:p>
             <a:pPr marL="171450" indent="-171450">
@@ -891,94 +1073,94 @@
               <a:buChar char="•"/>
             </a:pPr>
             <a:r>
-              <a:rPr lang="en-US" baseline="0" dirty="0" smtClean="0"/>
+              <a:rPr lang="en-US" baseline="0" dirty="0"/>
               <a:t>Hal </a:t>
             </a:r>
             <a:r>
-              <a:rPr lang="en-US" baseline="0" dirty="0" err="1" smtClean="0"/>
+              <a:rPr lang="en-US" baseline="0" dirty="0" err="1"/>
               <a:t>ini</a:t>
             </a:r>
             <a:r>
-              <a:rPr lang="en-US" baseline="0" dirty="0" smtClean="0"/>
-              <a:t> </a:t>
-            </a:r>
-            <a:r>
-              <a:rPr lang="en-US" baseline="0" dirty="0" err="1" smtClean="0"/>
+              <a:rPr lang="en-US" baseline="0" dirty="0"/>
+              <a:t> </a:t>
+            </a:r>
+            <a:r>
+              <a:rPr lang="en-US" baseline="0" dirty="0" err="1"/>
               <a:t>memerlukan</a:t>
             </a:r>
             <a:r>
-              <a:rPr lang="en-US" baseline="0" dirty="0" smtClean="0"/>
-              <a:t> </a:t>
-            </a:r>
-            <a:r>
-              <a:rPr lang="en-US" baseline="0" dirty="0" err="1" smtClean="0"/>
+              <a:rPr lang="en-US" baseline="0" dirty="0"/>
+              <a:t> </a:t>
+            </a:r>
+            <a:r>
+              <a:rPr lang="en-US" baseline="0" dirty="0" err="1"/>
               <a:t>waktu</a:t>
             </a:r>
             <a:r>
-              <a:rPr lang="en-US" baseline="0" dirty="0" smtClean="0"/>
+              <a:rPr lang="en-US" baseline="0" dirty="0"/>
               <a:t> yang </a:t>
             </a:r>
             <a:r>
-              <a:rPr lang="en-US" baseline="0" dirty="0" err="1" smtClean="0"/>
+              <a:rPr lang="en-US" baseline="0" dirty="0" err="1"/>
               <a:t>lebih</a:t>
             </a:r>
             <a:r>
-              <a:rPr lang="en-US" baseline="0" dirty="0" smtClean="0"/>
-              <a:t> </a:t>
-            </a:r>
-            <a:r>
-              <a:rPr lang="en-US" baseline="0" dirty="0" err="1" smtClean="0"/>
+              <a:rPr lang="en-US" baseline="0" dirty="0"/>
+              <a:t> </a:t>
+            </a:r>
+            <a:r>
+              <a:rPr lang="en-US" baseline="0" dirty="0" err="1"/>
               <a:t>banyak</a:t>
             </a:r>
             <a:r>
-              <a:rPr lang="en-US" baseline="0" dirty="0" smtClean="0"/>
-              <a:t> </a:t>
-            </a:r>
-            <a:r>
-              <a:rPr lang="en-US" baseline="0" dirty="0" err="1" smtClean="0"/>
+              <a:rPr lang="en-US" baseline="0" dirty="0"/>
+              <a:t> </a:t>
+            </a:r>
+            <a:r>
+              <a:rPr lang="en-US" baseline="0" dirty="0" err="1"/>
               <a:t>untuk</a:t>
             </a:r>
             <a:r>
-              <a:rPr lang="en-US" baseline="0" dirty="0" smtClean="0"/>
-              <a:t> </a:t>
-            </a:r>
-            <a:r>
-              <a:rPr lang="en-US" baseline="0" dirty="0" err="1" smtClean="0"/>
+              <a:rPr lang="en-US" baseline="0" dirty="0"/>
+              <a:t> </a:t>
+            </a:r>
+            <a:r>
+              <a:rPr lang="en-US" baseline="0" dirty="0" err="1"/>
               <a:t>memdokumentasikan</a:t>
             </a:r>
             <a:r>
-              <a:rPr lang="en-US" baseline="0" dirty="0" smtClean="0"/>
-              <a:t> </a:t>
-            </a:r>
-            <a:r>
-              <a:rPr lang="en-US" baseline="0" dirty="0" err="1" smtClean="0"/>
+              <a:rPr lang="en-US" baseline="0" dirty="0"/>
+              <a:t> </a:t>
+            </a:r>
+            <a:r>
+              <a:rPr lang="en-US" baseline="0" dirty="0" err="1"/>
               <a:t>perangkat</a:t>
             </a:r>
             <a:r>
-              <a:rPr lang="en-US" baseline="0" dirty="0" smtClean="0"/>
-              <a:t> </a:t>
-            </a:r>
-            <a:r>
-              <a:rPr lang="en-US" baseline="0" dirty="0" err="1" smtClean="0"/>
+              <a:rPr lang="en-US" baseline="0" dirty="0"/>
+              <a:t> </a:t>
+            </a:r>
+            <a:r>
+              <a:rPr lang="en-US" baseline="0" dirty="0" err="1"/>
               <a:t>lunak</a:t>
             </a:r>
             <a:r>
-              <a:rPr lang="en-US" baseline="0" dirty="0" smtClean="0"/>
+              <a:rPr lang="en-US" baseline="0" dirty="0"/>
               <a:t> yang </a:t>
             </a:r>
             <a:r>
-              <a:rPr lang="en-US" baseline="0" dirty="0" err="1" smtClean="0"/>
+              <a:rPr lang="en-US" baseline="0" dirty="0" err="1"/>
               <a:t>sudah</a:t>
             </a:r>
             <a:r>
-              <a:rPr lang="en-US" baseline="0" dirty="0" smtClean="0"/>
-              <a:t> </a:t>
-            </a:r>
-            <a:r>
-              <a:rPr lang="en-US" baseline="0" dirty="0" err="1" smtClean="0"/>
+              <a:rPr lang="en-US" baseline="0" dirty="0"/>
+              <a:t> </a:t>
+            </a:r>
+            <a:r>
+              <a:rPr lang="en-US" baseline="0" dirty="0" err="1"/>
               <a:t>dibuat</a:t>
             </a:r>
-            <a:endParaRPr lang="en-US" baseline="0" dirty="0" smtClean="0"/>
+            <a:endParaRPr lang="en-US" baseline="0" dirty="0"/>
           </a:p>
           <a:p>
             <a:pPr marL="171450" indent="-171450">
@@ -986,26 +1168,26 @@
               <a:buChar char="•"/>
             </a:pPr>
             <a:r>
-              <a:rPr lang="en-US" baseline="0" dirty="0" err="1" smtClean="0"/>
+              <a:rPr lang="en-US" baseline="0" dirty="0" err="1"/>
               <a:t>Maka</a:t>
             </a:r>
             <a:r>
-              <a:rPr lang="en-US" baseline="0" dirty="0" smtClean="0"/>
-              <a:t> </a:t>
-            </a:r>
-            <a:r>
-              <a:rPr lang="en-US" baseline="0" dirty="0" err="1" smtClean="0"/>
+              <a:rPr lang="en-US" baseline="0" dirty="0"/>
+              <a:t> </a:t>
+            </a:r>
+            <a:r>
+              <a:rPr lang="en-US" baseline="0" dirty="0" err="1"/>
               <a:t>perangkat</a:t>
             </a:r>
             <a:r>
-              <a:rPr lang="en-US" baseline="0" dirty="0" smtClean="0"/>
-              <a:t> </a:t>
-            </a:r>
-            <a:r>
-              <a:rPr lang="en-US" baseline="0" dirty="0" err="1" smtClean="0"/>
+              <a:rPr lang="en-US" baseline="0" dirty="0"/>
+              <a:t> </a:t>
+            </a:r>
+            <a:r>
+              <a:rPr lang="en-US" baseline="0" dirty="0" err="1"/>
               <a:t>lunak</a:t>
             </a:r>
-            <a:endParaRPr lang="en-US" baseline="0" dirty="0" smtClean="0"/>
+            <a:endParaRPr lang="en-US" baseline="0" dirty="0"/>
           </a:p>
         </p:txBody>
       </p:sp>
@@ -1090,75 +1272,75 @@
           <a:lstStyle/>
           <a:p>
             <a:r>
-              <a:rPr lang="en-US" dirty="0" smtClean="0"/>
+              <a:rPr lang="en-US" dirty="0"/>
               <a:t>Generate </a:t>
             </a:r>
             <a:r>
-              <a:rPr lang="en-US" dirty="0" err="1" smtClean="0"/>
+              <a:rPr lang="en-US" dirty="0" err="1"/>
               <a:t>javadoc</a:t>
             </a:r>
             <a:r>
-              <a:rPr lang="en-US" dirty="0" smtClean="0"/>
-              <a:t> </a:t>
-            </a:r>
-            <a:r>
-              <a:rPr lang="en-US" dirty="0" err="1" smtClean="0"/>
+              <a:rPr lang="en-US" dirty="0"/>
+              <a:t> </a:t>
+            </a:r>
+            <a:r>
+              <a:rPr lang="en-US" dirty="0" err="1"/>
               <a:t>lalu</a:t>
             </a:r>
             <a:r>
-              <a:rPr lang="en-US" dirty="0" smtClean="0"/>
-              <a:t> </a:t>
-            </a:r>
-            <a:r>
-              <a:rPr lang="en-US" dirty="0" err="1" smtClean="0"/>
+              <a:rPr lang="en-US" dirty="0"/>
+              <a:t> </a:t>
+            </a:r>
+            <a:r>
+              <a:rPr lang="en-US" dirty="0" err="1"/>
               <a:t>dipindahkan</a:t>
             </a:r>
             <a:r>
-              <a:rPr lang="en-US" baseline="0" dirty="0" smtClean="0"/>
-              <a:t> </a:t>
-            </a:r>
-            <a:r>
-              <a:rPr lang="en-US" baseline="0" dirty="0" err="1" smtClean="0"/>
+              <a:rPr lang="en-US" baseline="0" dirty="0"/>
+              <a:t> </a:t>
+            </a:r>
+            <a:r>
+              <a:rPr lang="en-US" baseline="0" dirty="0" err="1"/>
               <a:t>ke</a:t>
             </a:r>
             <a:r>
-              <a:rPr lang="en-US" baseline="0" dirty="0" smtClean="0"/>
-              <a:t> </a:t>
-            </a:r>
-            <a:r>
-              <a:rPr lang="en-US" baseline="0" dirty="0" err="1" smtClean="0"/>
+              <a:rPr lang="en-US" baseline="0" dirty="0"/>
+              <a:t> </a:t>
+            </a:r>
+            <a:r>
+              <a:rPr lang="en-US" baseline="0" dirty="0" err="1"/>
               <a:t>salah</a:t>
             </a:r>
             <a:r>
-              <a:rPr lang="en-US" baseline="0" dirty="0" smtClean="0"/>
-              <a:t> </a:t>
-            </a:r>
-            <a:r>
-              <a:rPr lang="en-US" baseline="0" dirty="0" err="1" smtClean="0"/>
+              <a:rPr lang="en-US" baseline="0" dirty="0"/>
+              <a:t> </a:t>
+            </a:r>
+            <a:r>
+              <a:rPr lang="en-US" baseline="0" dirty="0" err="1"/>
               <a:t>satu</a:t>
             </a:r>
             <a:r>
-              <a:rPr lang="en-US" baseline="0" dirty="0" smtClean="0"/>
-              <a:t> </a:t>
-            </a:r>
-            <a:r>
-              <a:rPr lang="en-US" baseline="0" dirty="0" err="1" smtClean="0"/>
+              <a:rPr lang="en-US" baseline="0" dirty="0"/>
+              <a:t> </a:t>
+            </a:r>
+            <a:r>
+              <a:rPr lang="en-US" baseline="0" dirty="0" err="1"/>
               <a:t>bab</a:t>
             </a:r>
             <a:r>
-              <a:rPr lang="en-US" baseline="0" dirty="0" smtClean="0"/>
+              <a:rPr lang="en-US" baseline="0" dirty="0"/>
               <a:t> di </a:t>
             </a:r>
             <a:r>
-              <a:rPr lang="en-US" baseline="0" dirty="0" err="1" smtClean="0"/>
+              <a:rPr lang="en-US" baseline="0" dirty="0" err="1"/>
               <a:t>dokumen</a:t>
             </a:r>
             <a:r>
-              <a:rPr lang="en-US" baseline="0" dirty="0" smtClean="0"/>
-              <a:t> </a:t>
-            </a:r>
-            <a:r>
-              <a:rPr lang="en-US" baseline="0" dirty="0" err="1" smtClean="0"/>
+              <a:rPr lang="en-US" baseline="0" dirty="0"/>
+              <a:t> </a:t>
+            </a:r>
+            <a:r>
+              <a:rPr lang="en-US" baseline="0" dirty="0" err="1"/>
               <a:t>skripsi</a:t>
             </a:r>
             <a:endParaRPr lang="en-US" dirty="0"/>
@@ -1246,12 +1428,40 @@
           <a:lstStyle/>
           <a:p>
             <a:r>
-              <a:rPr lang="en-US" dirty="0" smtClean="0"/>
-              <a:t> - tag tag </a:t>
-            </a:r>
-            <a:r>
-              <a:rPr lang="en-US" dirty="0" err="1" smtClean="0"/>
-              <a:t>dijelasin</a:t>
+              <a:rPr lang="en-US" dirty="0" err="1"/>
+              <a:t>Tujuannya</a:t>
+            </a:r>
+            <a:r>
+              <a:rPr lang="en-US" dirty="0"/>
+              <a:t> </a:t>
+            </a:r>
+            <a:r>
+              <a:rPr lang="en-US" dirty="0" err="1"/>
+              <a:t>adalah</a:t>
+            </a:r>
+            <a:r>
+              <a:rPr lang="en-US" dirty="0"/>
+              <a:t> </a:t>
+            </a:r>
+            <a:r>
+              <a:rPr lang="en-US" dirty="0" err="1"/>
+              <a:t>membuat</a:t>
+            </a:r>
+            <a:r>
+              <a:rPr lang="en-US" dirty="0"/>
+              <a:t> </a:t>
+            </a:r>
+            <a:r>
+              <a:rPr lang="en-US" dirty="0" err="1"/>
+              <a:t>perangkat</a:t>
+            </a:r>
+            <a:r>
+              <a:rPr lang="en-US" dirty="0"/>
+              <a:t> </a:t>
+            </a:r>
+            <a:r>
+              <a:rPr lang="en-US" dirty="0" err="1"/>
+              <a:t>lunak</a:t>
             </a:r>
             <a:endParaRPr lang="en-US" dirty="0"/>
           </a:p>
@@ -1274,7 +1484,7 @@
           <a:p>
             <a:fld id="{D3273E86-8B5A-5F41-B9A4-689B74E91ED5}" type="slidenum">
               <a:rPr lang="en-US" smtClean="0"/>
-              <a:t>5</a:t>
+              <a:t>4</a:t>
             </a:fld>
             <a:endParaRPr lang="en-US"/>
           </a:p>
@@ -1283,7 +1493,7 @@
     </p:spTree>
     <p:extLst>
       <p:ext uri="{BB962C8B-B14F-4D97-AF65-F5344CB8AC3E}">
-        <p14:creationId xmlns:p14="http://schemas.microsoft.com/office/powerpoint/2010/main" val="350323319"/>
+        <p14:creationId xmlns:p14="http://schemas.microsoft.com/office/powerpoint/2010/main" val="434826990"/>
       </p:ext>
     </p:extLst>
   </p:cSld>
@@ -1337,63 +1547,79 @@
           <a:bodyPr/>
           <a:lstStyle/>
           <a:p>
-            <a:r>
-              <a:rPr lang="en-US" dirty="0" smtClean="0"/>
-              <a:t>- </a:t>
-            </a:r>
-            <a:r>
-              <a:rPr lang="en-US" dirty="0" err="1" smtClean="0"/>
-              <a:t>jelasin</a:t>
-            </a:r>
-            <a:r>
-              <a:rPr lang="en-US" baseline="0" dirty="0" smtClean="0"/>
-              <a:t> </a:t>
-            </a:r>
-            <a:r>
-              <a:rPr lang="en-US" baseline="0" dirty="0" err="1" smtClean="0"/>
-              <a:t>kegunaan</a:t>
-            </a:r>
-            <a:r>
-              <a:rPr lang="en-US" baseline="0" dirty="0" smtClean="0"/>
-              <a:t> interface </a:t>
-            </a:r>
-            <a:r>
-              <a:rPr lang="en-US" baseline="0" dirty="0" err="1" smtClean="0"/>
-              <a:t>lalu</a:t>
-            </a:r>
-            <a:r>
-              <a:rPr lang="en-US" baseline="0" dirty="0" smtClean="0"/>
-              <a:t> </a:t>
-            </a:r>
-            <a:r>
-              <a:rPr lang="en-US" baseline="0" dirty="0" err="1" smtClean="0"/>
-              <a:t>jelasin</a:t>
-            </a:r>
-            <a:r>
-              <a:rPr lang="en-US" baseline="0" dirty="0" smtClean="0"/>
-              <a:t> </a:t>
-            </a:r>
-            <a:r>
-              <a:rPr lang="en-US" baseline="0" dirty="0" err="1" smtClean="0"/>
-              <a:t>anak</a:t>
-            </a:r>
-            <a:r>
-              <a:rPr lang="en-US" baseline="0" dirty="0" smtClean="0"/>
-              <a:t> </a:t>
-            </a:r>
-            <a:r>
-              <a:rPr lang="en-US" baseline="0" dirty="0" err="1" smtClean="0"/>
-              <a:t>poin</a:t>
-            </a:r>
-            <a:r>
-              <a:rPr lang="en-US" baseline="0" dirty="0" smtClean="0"/>
-              <a:t> </a:t>
-            </a:r>
-            <a:r>
-              <a:rPr lang="en-US" baseline="0" dirty="0" err="1" smtClean="0"/>
-              <a:t>nya</a:t>
-            </a:r>
-            <a:endParaRPr lang="en-US" baseline="0" dirty="0" smtClean="0"/>
+            <a:pPr marL="171450" indent="-171450">
+              <a:buFont typeface="Arial" panose="020B0604020202020204" pitchFamily="34" charset="0"/>
+              <a:buChar char="•"/>
+            </a:pPr>
+            <a:r>
+              <a:rPr lang="en-US" dirty="0"/>
+              <a:t>Javadoc </a:t>
+            </a:r>
+            <a:r>
+              <a:rPr lang="en-US" dirty="0" err="1"/>
+              <a:t>umumnya</a:t>
+            </a:r>
+            <a:r>
+              <a:rPr lang="en-US" dirty="0"/>
+              <a:t> </a:t>
+            </a:r>
+            <a:r>
+              <a:rPr lang="en-US" dirty="0" err="1"/>
+              <a:t>disebut</a:t>
+            </a:r>
+            <a:endParaRPr lang="en-US" dirty="0"/>
+          </a:p>
+          <a:p>
+            <a:pPr marL="171450" indent="-171450">
+              <a:buFont typeface="Arial" panose="020B0604020202020204" pitchFamily="34" charset="0"/>
+              <a:buChar char="•"/>
+            </a:pPr>
+            <a:r>
+              <a:rPr lang="en-US" dirty="0"/>
+              <a:t>Javadoc </a:t>
+            </a:r>
+            <a:r>
+              <a:rPr lang="en-US" dirty="0" err="1"/>
+              <a:t>dapat</a:t>
+            </a:r>
+            <a:r>
+              <a:rPr lang="en-US" dirty="0"/>
+              <a:t> </a:t>
+            </a:r>
+            <a:r>
+              <a:rPr lang="en-US" dirty="0" err="1"/>
+              <a:t>mengambi</a:t>
+            </a:r>
+            <a:r>
+              <a:rPr lang="en-US" dirty="0"/>
+              <a:t> l…</a:t>
+            </a:r>
+          </a:p>
+          <a:p>
+            <a:pPr marL="171450" indent="-171450">
+              <a:buFont typeface="Arial" panose="020B0604020202020204" pitchFamily="34" charset="0"/>
+              <a:buChar char="•"/>
+            </a:pPr>
+            <a:r>
+              <a:rPr lang="en-US" dirty="0"/>
+              <a:t>Javadoc </a:t>
+            </a:r>
+            <a:r>
+              <a:rPr lang="en-US" dirty="0" err="1"/>
+              <a:t>akan</a:t>
+            </a:r>
+            <a:r>
+              <a:rPr lang="en-US" dirty="0"/>
+              <a:t> </a:t>
+            </a:r>
+            <a:r>
+              <a:rPr lang="en-US" dirty="0" err="1"/>
+              <a:t>menghasilkan</a:t>
+            </a:r>
+            <a:r>
+              <a:rPr lang="en-US" dirty="0"/>
+              <a:t> …</a:t>
+            </a:r>
           </a:p>
         </p:txBody>
       </p:sp>
@@ -1414,7 +1640,7 @@
           <a:p>
             <a:fld id="{D3273E86-8B5A-5F41-B9A4-689B74E91ED5}" type="slidenum">
               <a:rPr lang="en-US" smtClean="0"/>
-              <a:t>6</a:t>
+              <a:t>5</a:t>
             </a:fld>
             <a:endParaRPr lang="en-US"/>
           </a:p>
@@ -1423,7 +1649,7 @@
     </p:spTree>
     <p:extLst>
       <p:ext uri="{BB962C8B-B14F-4D97-AF65-F5344CB8AC3E}">
-        <p14:creationId xmlns:p14="http://schemas.microsoft.com/office/powerpoint/2010/main" val="1006263936"/>
+        <p14:creationId xmlns:p14="http://schemas.microsoft.com/office/powerpoint/2010/main" val="350323319"/>
       </p:ext>
     </p:extLst>
   </p:cSld>
@@ -1478,131 +1704,69 @@
           <a:lstStyle/>
           <a:p>
             <a:pPr marL="171450" indent="-171450">
-              <a:buFont typeface="Arial" charset="0"/>
+              <a:buFont typeface="Arial" panose="020B0604020202020204" pitchFamily="34" charset="0"/>
               <a:buChar char="•"/>
             </a:pPr>
-            <a:r>
-              <a:rPr lang="en-US" dirty="0" err="1" smtClean="0"/>
-              <a:t>Classdoc</a:t>
-            </a:r>
-            <a:r>
-              <a:rPr lang="en-US" dirty="0" smtClean="0"/>
-              <a:t> = access modifier,</a:t>
-            </a:r>
-            <a:r>
-              <a:rPr lang="en-US" baseline="0" dirty="0" smtClean="0"/>
-              <a:t> </a:t>
-            </a:r>
-            <a:r>
-              <a:rPr lang="en-US" baseline="0" dirty="0" err="1" smtClean="0"/>
-              <a:t>nama</a:t>
-            </a:r>
-            <a:r>
-              <a:rPr lang="en-US" baseline="0" dirty="0" smtClean="0"/>
-              <a:t> </a:t>
-            </a:r>
-            <a:r>
-              <a:rPr lang="en-US" baseline="0" dirty="0" err="1" smtClean="0"/>
-              <a:t>kelas</a:t>
-            </a:r>
-            <a:r>
-              <a:rPr lang="en-US" baseline="0" dirty="0" smtClean="0"/>
-              <a:t>, </a:t>
-            </a:r>
-            <a:r>
-              <a:rPr lang="en-US" baseline="0" dirty="0" err="1" smtClean="0"/>
-              <a:t>penjelasan</a:t>
-            </a:r>
-            <a:endParaRPr lang="en-US" baseline="0" dirty="0" smtClean="0"/>
+            <a:endParaRPr lang="en-US" baseline="0" dirty="0"/>
           </a:p>
           <a:p>
             <a:pPr marL="171450" indent="-171450">
-              <a:buFont typeface="Arial" charset="0"/>
+              <a:buFont typeface="Arial" panose="020B0604020202020204" pitchFamily="34" charset="0"/>
               <a:buChar char="•"/>
             </a:pPr>
             <a:r>
-              <a:rPr lang="en-US" baseline="0" dirty="0" err="1" smtClean="0"/>
-              <a:t>Fielddoc</a:t>
-            </a:r>
-            <a:r>
-              <a:rPr lang="en-US" baseline="0" dirty="0" smtClean="0"/>
-              <a:t> = access modifier, </a:t>
-            </a:r>
-            <a:r>
-              <a:rPr lang="en-US" baseline="0" dirty="0" err="1" smtClean="0"/>
-              <a:t>nama</a:t>
-            </a:r>
-            <a:r>
-              <a:rPr lang="en-US" baseline="0" dirty="0" smtClean="0"/>
-              <a:t> </a:t>
-            </a:r>
-            <a:r>
-              <a:rPr lang="en-US" baseline="0" dirty="0" err="1" smtClean="0"/>
-              <a:t>atribut</a:t>
-            </a:r>
-            <a:r>
-              <a:rPr lang="en-US" baseline="0" dirty="0" smtClean="0"/>
-              <a:t>, </a:t>
-            </a:r>
-            <a:r>
-              <a:rPr lang="en-US" baseline="0" dirty="0" err="1" smtClean="0"/>
-              <a:t>penjelasan</a:t>
-            </a:r>
-            <a:endParaRPr lang="en-US" baseline="0" dirty="0" smtClean="0"/>
-          </a:p>
-          <a:p>
-            <a:pPr marL="171450" indent="-171450">
-              <a:buFont typeface="Arial" charset="0"/>
-              <a:buChar char="•"/>
-            </a:pPr>
-            <a:r>
-              <a:rPr lang="en-US" baseline="0" dirty="0" err="1" smtClean="0"/>
-              <a:t>Methoddoc</a:t>
-            </a:r>
-            <a:r>
-              <a:rPr lang="en-US" baseline="0" dirty="0" smtClean="0"/>
-              <a:t> = access modifier, </a:t>
-            </a:r>
-            <a:r>
-              <a:rPr lang="en-US" baseline="0" dirty="0" err="1" smtClean="0"/>
-              <a:t>nama</a:t>
-            </a:r>
-            <a:r>
-              <a:rPr lang="en-US" baseline="0" dirty="0" smtClean="0"/>
-              <a:t> method, </a:t>
-            </a:r>
-            <a:r>
-              <a:rPr lang="en-US" baseline="0" dirty="0" err="1" smtClean="0"/>
-              <a:t>penjelasan</a:t>
-            </a:r>
-            <a:endParaRPr lang="en-US" baseline="0" dirty="0" smtClean="0"/>
-          </a:p>
-          <a:p>
-            <a:pPr marL="171450" indent="-171450">
-              <a:buFont typeface="Arial" charset="0"/>
-              <a:buChar char="•"/>
-            </a:pPr>
-            <a:r>
-              <a:rPr lang="en-US" baseline="0" dirty="0" err="1" smtClean="0"/>
-              <a:t>Paramtag</a:t>
-            </a:r>
-            <a:r>
-              <a:rPr lang="en-US" baseline="0" dirty="0" smtClean="0"/>
-              <a:t> = </a:t>
-            </a:r>
-            <a:r>
-              <a:rPr lang="en-US" baseline="0" dirty="0" err="1" smtClean="0"/>
-              <a:t>nama</a:t>
-            </a:r>
-            <a:r>
-              <a:rPr lang="en-US" baseline="0" dirty="0" smtClean="0"/>
-              <a:t> parameter, </a:t>
-            </a:r>
-            <a:r>
-              <a:rPr lang="en-US" baseline="0" dirty="0" err="1" smtClean="0"/>
-              <a:t>penjelasan</a:t>
-            </a:r>
-            <a:endParaRPr lang="en-US" dirty="0"/>
+              <a:rPr lang="en-US" dirty="0" err="1"/>
+              <a:t>jelasin</a:t>
+            </a:r>
+            <a:r>
+              <a:rPr lang="en-US" baseline="0" dirty="0"/>
+              <a:t> </a:t>
+            </a:r>
+            <a:r>
+              <a:rPr lang="en-US" baseline="0" dirty="0" err="1"/>
+              <a:t>kegunaan</a:t>
+            </a:r>
+            <a:r>
+              <a:rPr lang="en-US" baseline="0" dirty="0"/>
+              <a:t> interface </a:t>
+            </a:r>
+            <a:r>
+              <a:rPr lang="en-US" baseline="0" dirty="0" err="1"/>
+              <a:t>lalu</a:t>
+            </a:r>
+            <a:r>
+              <a:rPr lang="en-US" baseline="0" dirty="0"/>
+              <a:t> </a:t>
+            </a:r>
+            <a:r>
+              <a:rPr lang="en-US" baseline="0" dirty="0" err="1"/>
+              <a:t>jelasin</a:t>
+            </a:r>
+            <a:r>
+              <a:rPr lang="en-US" baseline="0" dirty="0"/>
+              <a:t> </a:t>
+            </a:r>
+            <a:r>
+              <a:rPr lang="en-US" baseline="0" dirty="0" err="1"/>
+              <a:t>anak</a:t>
+            </a:r>
+            <a:r>
+              <a:rPr lang="en-US" baseline="0" dirty="0"/>
+              <a:t> </a:t>
+            </a:r>
+            <a:r>
+              <a:rPr lang="en-US" baseline="0" dirty="0" err="1"/>
+              <a:t>poin</a:t>
+            </a:r>
+            <a:r>
+              <a:rPr lang="en-US" baseline="0" dirty="0"/>
+              <a:t> </a:t>
+            </a:r>
+            <a:r>
+              <a:rPr lang="en-US" baseline="0" dirty="0" err="1"/>
+              <a:t>nya</a:t>
+            </a:r>
+            <a:endParaRPr lang="en-US" baseline="0" dirty="0"/>
           </a:p>
         </p:txBody>
       </p:sp>
@@ -1623,7 +1787,7 @@
           <a:p>
             <a:fld id="{D3273E86-8B5A-5F41-B9A4-689B74E91ED5}" type="slidenum">
               <a:rPr lang="en-US" smtClean="0"/>
-              <a:t>7</a:t>
+              <a:t>6</a:t>
             </a:fld>
             <a:endParaRPr lang="en-US"/>
           </a:p>
@@ -1632,7 +1796,7 @@
     </p:spTree>
     <p:extLst>
       <p:ext uri="{BB962C8B-B14F-4D97-AF65-F5344CB8AC3E}">
-        <p14:creationId xmlns:p14="http://schemas.microsoft.com/office/powerpoint/2010/main" val="296466113"/>
+        <p14:creationId xmlns:p14="http://schemas.microsoft.com/office/powerpoint/2010/main" val="1006263936"/>
       </p:ext>
     </p:extLst>
   </p:cSld>
@@ -1686,6 +1850,131 @@
           <a:bodyPr/>
           <a:lstStyle/>
           <a:p>
+            <a:pPr marL="171450" indent="-171450">
+              <a:buFont typeface="Arial" charset="0"/>
+              <a:buChar char="•"/>
+            </a:pPr>
+            <a:r>
+              <a:rPr lang="en-US" dirty="0" err="1"/>
+              <a:t>Classdoc</a:t>
+            </a:r>
+            <a:r>
+              <a:rPr lang="en-US" dirty="0"/>
+              <a:t> = access modifier,</a:t>
+            </a:r>
+            <a:r>
+              <a:rPr lang="en-US" baseline="0" dirty="0"/>
+              <a:t> </a:t>
+            </a:r>
+            <a:r>
+              <a:rPr lang="en-US" baseline="0" dirty="0" err="1"/>
+              <a:t>nama</a:t>
+            </a:r>
+            <a:r>
+              <a:rPr lang="en-US" baseline="0" dirty="0"/>
+              <a:t> </a:t>
+            </a:r>
+            <a:r>
+              <a:rPr lang="en-US" baseline="0" dirty="0" err="1"/>
+              <a:t>kelas</a:t>
+            </a:r>
+            <a:r>
+              <a:rPr lang="en-US" baseline="0" dirty="0"/>
+              <a:t>, </a:t>
+            </a:r>
+            <a:r>
+              <a:rPr lang="en-US" baseline="0" dirty="0" err="1"/>
+              <a:t>penjelasan</a:t>
+            </a:r>
+            <a:endParaRPr lang="en-US" baseline="0" dirty="0"/>
+          </a:p>
+          <a:p>
+            <a:pPr marL="171450" indent="-171450">
+              <a:buFont typeface="Arial" charset="0"/>
+              <a:buChar char="•"/>
+            </a:pPr>
+            <a:r>
+              <a:rPr lang="en-US" baseline="0" dirty="0" err="1"/>
+              <a:t>Fielddoc</a:t>
+            </a:r>
+            <a:r>
+              <a:rPr lang="en-US" baseline="0" dirty="0"/>
+              <a:t> = access modifier, </a:t>
+            </a:r>
+            <a:r>
+              <a:rPr lang="en-US" baseline="0" dirty="0" err="1"/>
+              <a:t>nama</a:t>
+            </a:r>
+            <a:r>
+              <a:rPr lang="en-US" baseline="0" dirty="0"/>
+              <a:t> </a:t>
+            </a:r>
+            <a:r>
+              <a:rPr lang="en-US" baseline="0" dirty="0" err="1"/>
+              <a:t>atribut</a:t>
+            </a:r>
+            <a:r>
+              <a:rPr lang="en-US" baseline="0" dirty="0"/>
+              <a:t>, </a:t>
+            </a:r>
+            <a:r>
+              <a:rPr lang="en-US" baseline="0" dirty="0" err="1"/>
+              <a:t>penjelasan</a:t>
+            </a:r>
+            <a:endParaRPr lang="en-US" baseline="0" dirty="0"/>
+          </a:p>
+          <a:p>
+            <a:pPr marL="171450" indent="-171450">
+              <a:buFont typeface="Arial" charset="0"/>
+              <a:buChar char="•"/>
+            </a:pPr>
+            <a:r>
+              <a:rPr lang="en-US" baseline="0" dirty="0" err="1"/>
+              <a:t>Methoddoc</a:t>
+            </a:r>
+            <a:r>
+              <a:rPr lang="en-US" baseline="0" dirty="0"/>
+              <a:t> = access modifier, </a:t>
+            </a:r>
+            <a:r>
+              <a:rPr lang="en-US" baseline="0" dirty="0" err="1"/>
+              <a:t>nama</a:t>
+            </a:r>
+            <a:r>
+              <a:rPr lang="en-US" baseline="0" dirty="0"/>
+              <a:t> method, </a:t>
+            </a:r>
+            <a:r>
+              <a:rPr lang="en-US" baseline="0" dirty="0" err="1"/>
+              <a:t>penjelasan</a:t>
+            </a:r>
+            <a:endParaRPr lang="en-US" baseline="0" dirty="0"/>
+          </a:p>
+          <a:p>
+            <a:pPr marL="171450" indent="-171450">
+              <a:buFont typeface="Arial" charset="0"/>
+              <a:buChar char="•"/>
+            </a:pPr>
+            <a:r>
+              <a:rPr lang="en-US" baseline="0" dirty="0" err="1"/>
+              <a:t>Paramtag</a:t>
+            </a:r>
+            <a:r>
+              <a:rPr lang="en-US" baseline="0" dirty="0"/>
+              <a:t> = </a:t>
+            </a:r>
+            <a:r>
+              <a:rPr lang="en-US" baseline="0" dirty="0" err="1"/>
+              <a:t>nama</a:t>
+            </a:r>
+            <a:r>
+              <a:rPr lang="en-US" baseline="0" dirty="0"/>
+              <a:t> parameter, </a:t>
+            </a:r>
+            <a:r>
+              <a:rPr lang="en-US" baseline="0" dirty="0" err="1"/>
+              <a:t>penjelasan</a:t>
+            </a:r>
             <a:endParaRPr lang="en-US" dirty="0"/>
           </a:p>
         </p:txBody>
@@ -1707,7 +1996,7 @@
           <a:p>
             <a:fld id="{D3273E86-8B5A-5F41-B9A4-689B74E91ED5}" type="slidenum">
               <a:rPr lang="en-US" smtClean="0"/>
-              <a:t>8</a:t>
+              <a:t>7</a:t>
             </a:fld>
             <a:endParaRPr lang="en-US"/>
           </a:p>
@@ -1716,7 +2005,7 @@
     </p:spTree>
     <p:extLst>
       <p:ext uri="{BB962C8B-B14F-4D97-AF65-F5344CB8AC3E}">
-        <p14:creationId xmlns:p14="http://schemas.microsoft.com/office/powerpoint/2010/main" val="1430391155"/>
+        <p14:creationId xmlns:p14="http://schemas.microsoft.com/office/powerpoint/2010/main" val="296466113"/>
       </p:ext>
     </p:extLst>
   </p:cSld>
@@ -1770,173 +2059,6 @@
           <a:bodyPr/>
           <a:lstStyle/>
           <a:p>
-            <a:pPr marL="171450" indent="-171450">
-              <a:buFont typeface="Arial" charset="0"/>
-              <a:buChar char="•"/>
-            </a:pPr>
-            <a:r>
-              <a:rPr lang="en-US" dirty="0" err="1" smtClean="0"/>
-              <a:t>Menginisialisasi</a:t>
-            </a:r>
-            <a:r>
-              <a:rPr lang="en-US" dirty="0" smtClean="0"/>
-              <a:t> </a:t>
-            </a:r>
-            <a:r>
-              <a:rPr lang="en-US" dirty="0" err="1" smtClean="0"/>
-              <a:t>documentclass</a:t>
-            </a:r>
-            <a:r>
-              <a:rPr lang="en-US" dirty="0" smtClean="0"/>
-              <a:t>, </a:t>
-            </a:r>
-            <a:r>
-              <a:rPr lang="en-US" dirty="0" err="1" smtClean="0"/>
-              <a:t>document</a:t>
-            </a:r>
-            <a:r>
-              <a:rPr lang="en-US" baseline="0" dirty="0" err="1" smtClean="0"/>
-              <a:t>class</a:t>
-            </a:r>
-            <a:r>
-              <a:rPr lang="en-US" baseline="0" dirty="0" smtClean="0"/>
-              <a:t> </a:t>
-            </a:r>
-            <a:r>
-              <a:rPr lang="en-US" baseline="0" dirty="0" err="1" smtClean="0"/>
-              <a:t>hanya</a:t>
-            </a:r>
-            <a:r>
-              <a:rPr lang="en-US" baseline="0" dirty="0" smtClean="0"/>
-              <a:t> 1x </a:t>
-            </a:r>
-            <a:r>
-              <a:rPr lang="en-US" baseline="0" dirty="0" err="1" smtClean="0"/>
-              <a:t>saja</a:t>
-            </a:r>
-            <a:endParaRPr lang="en-US" baseline="0" dirty="0" smtClean="0"/>
-          </a:p>
-          <a:p>
-            <a:pPr marL="171450" indent="-171450">
-              <a:buFont typeface="Arial" charset="0"/>
-              <a:buChar char="•"/>
-            </a:pPr>
-            <a:r>
-              <a:rPr lang="en-US" baseline="0" dirty="0" err="1" smtClean="0"/>
-              <a:t>Untuk</a:t>
-            </a:r>
-            <a:r>
-              <a:rPr lang="en-US" baseline="0" dirty="0" smtClean="0"/>
-              <a:t> </a:t>
-            </a:r>
-            <a:r>
-              <a:rPr lang="en-US" baseline="0" dirty="0" err="1" smtClean="0"/>
-              <a:t>menampilkan</a:t>
-            </a:r>
-            <a:r>
-              <a:rPr lang="en-US" baseline="0" dirty="0" smtClean="0"/>
-              <a:t> </a:t>
-            </a:r>
-            <a:r>
-              <a:rPr lang="en-US" baseline="0" dirty="0" err="1" smtClean="0"/>
-              <a:t>isi</a:t>
-            </a:r>
-            <a:r>
-              <a:rPr lang="en-US" baseline="0" dirty="0" smtClean="0"/>
-              <a:t> </a:t>
-            </a:r>
-            <a:r>
-              <a:rPr lang="en-US" baseline="0" dirty="0" err="1" smtClean="0"/>
-              <a:t>dari</a:t>
-            </a:r>
-            <a:r>
-              <a:rPr lang="en-US" baseline="0" dirty="0" smtClean="0"/>
-              <a:t> </a:t>
-            </a:r>
-            <a:r>
-              <a:rPr lang="en-US" baseline="0" dirty="0" err="1" smtClean="0"/>
-              <a:t>dokumen</a:t>
-            </a:r>
-            <a:r>
-              <a:rPr lang="en-US" baseline="0" dirty="0" smtClean="0"/>
-              <a:t>, </a:t>
-            </a:r>
-            <a:r>
-              <a:rPr lang="en-US" baseline="0" dirty="0" err="1" smtClean="0"/>
-              <a:t>perlu</a:t>
-            </a:r>
-            <a:r>
-              <a:rPr lang="en-US" baseline="0" dirty="0" smtClean="0"/>
-              <a:t> command begin{document} </a:t>
-            </a:r>
-            <a:r>
-              <a:rPr lang="en-US" baseline="0" dirty="0" err="1" smtClean="0"/>
-              <a:t>dan</a:t>
-            </a:r>
-            <a:r>
-              <a:rPr lang="en-US" baseline="0" dirty="0" smtClean="0"/>
-              <a:t> </a:t>
-            </a:r>
-            <a:r>
-              <a:rPr lang="en-US" baseline="0" dirty="0" err="1" smtClean="0"/>
-              <a:t>ditutup</a:t>
-            </a:r>
-            <a:r>
-              <a:rPr lang="en-US" baseline="0" dirty="0" smtClean="0"/>
-              <a:t> </a:t>
-            </a:r>
-            <a:r>
-              <a:rPr lang="en-US" baseline="0" dirty="0" err="1" smtClean="0"/>
-              <a:t>dengan</a:t>
-            </a:r>
-            <a:r>
-              <a:rPr lang="en-US" baseline="0" dirty="0" smtClean="0"/>
-              <a:t> end{document}, </a:t>
-            </a:r>
-            <a:r>
-              <a:rPr lang="en-US" baseline="0" dirty="0" err="1" smtClean="0"/>
-              <a:t>seluruh</a:t>
-            </a:r>
-            <a:r>
-              <a:rPr lang="en-US" baseline="0" dirty="0" smtClean="0"/>
-              <a:t> </a:t>
-            </a:r>
-            <a:r>
-              <a:rPr lang="en-US" baseline="0" dirty="0" err="1" smtClean="0"/>
-              <a:t>penulisan</a:t>
-            </a:r>
-            <a:r>
-              <a:rPr lang="en-US" baseline="0" dirty="0" smtClean="0"/>
-              <a:t> yang </a:t>
-            </a:r>
-            <a:r>
-              <a:rPr lang="en-US" baseline="0" dirty="0" err="1" smtClean="0"/>
-              <a:t>dilakukan</a:t>
-            </a:r>
-            <a:r>
-              <a:rPr lang="en-US" baseline="0" dirty="0" smtClean="0"/>
-              <a:t> </a:t>
-            </a:r>
-            <a:r>
-              <a:rPr lang="en-US" baseline="0" dirty="0" err="1" smtClean="0"/>
-              <a:t>didalam</a:t>
-            </a:r>
-            <a:r>
-              <a:rPr lang="en-US" baseline="0" dirty="0" smtClean="0"/>
-              <a:t> begin{document} </a:t>
-            </a:r>
-            <a:r>
-              <a:rPr lang="en-US" baseline="0" dirty="0" err="1" smtClean="0"/>
-              <a:t>akan</a:t>
-            </a:r>
-            <a:r>
-              <a:rPr lang="en-US" baseline="0" dirty="0" smtClean="0"/>
-              <a:t> </a:t>
-            </a:r>
-            <a:r>
-              <a:rPr lang="en-US" baseline="0" dirty="0" err="1" smtClean="0"/>
-              <a:t>ditampilkan</a:t>
-            </a:r>
             <a:endParaRPr lang="en-US" dirty="0"/>
           </a:p>
         </p:txBody>
@@ -1958,7 +2080,7 @@
           <a:p>
             <a:fld id="{D3273E86-8B5A-5F41-B9A4-689B74E91ED5}" type="slidenum">
               <a:rPr lang="en-US" smtClean="0"/>
-              <a:t>9</a:t>
+              <a:t>8</a:t>
             </a:fld>
             <a:endParaRPr lang="en-US"/>
           </a:p>
@@ -1967,7 +2089,7 @@
     </p:spTree>
     <p:extLst>
       <p:ext uri="{BB962C8B-B14F-4D97-AF65-F5344CB8AC3E}">
-        <p14:creationId xmlns:p14="http://schemas.microsoft.com/office/powerpoint/2010/main" val="2127791351"/>
+        <p14:creationId xmlns:p14="http://schemas.microsoft.com/office/powerpoint/2010/main" val="1430391155"/>
       </p:ext>
     </p:extLst>
   </p:cSld>
@@ -2026,34 +2148,46 @@
               <a:buChar char="•"/>
             </a:pPr>
             <a:r>
-              <a:rPr lang="en-US" dirty="0" err="1" smtClean="0"/>
-              <a:t>Mengkonversi</a:t>
-            </a:r>
-            <a:r>
-              <a:rPr lang="en-US" dirty="0" smtClean="0"/>
-              <a:t> </a:t>
-            </a:r>
-            <a:r>
-              <a:rPr lang="en-US" dirty="0" err="1" smtClean="0"/>
-              <a:t>sekumpulan</a:t>
-            </a:r>
-            <a:r>
-              <a:rPr lang="en-US" dirty="0" smtClean="0"/>
-              <a:t> file java </a:t>
-            </a:r>
-            <a:r>
-              <a:rPr lang="en-US" dirty="0" err="1" smtClean="0"/>
-              <a:t>dalam</a:t>
-            </a:r>
-            <a:r>
-              <a:rPr lang="en-US" dirty="0" smtClean="0"/>
-              <a:t> 1 package yang </a:t>
-            </a:r>
-            <a:r>
-              <a:rPr lang="en-US" dirty="0" err="1" smtClean="0"/>
-              <a:t>sama</a:t>
-            </a:r>
-            <a:endParaRPr lang="en-US" dirty="0" smtClean="0"/>
+              <a:rPr lang="en-US" dirty="0" err="1"/>
+              <a:t>Menginisialisasi</a:t>
+            </a:r>
+            <a:r>
+              <a:rPr lang="en-US" dirty="0"/>
+              <a:t> </a:t>
+            </a:r>
+            <a:r>
+              <a:rPr lang="en-US" dirty="0" err="1"/>
+              <a:t>documentclass</a:t>
+            </a:r>
+            <a:r>
+              <a:rPr lang="en-US" dirty="0"/>
+              <a:t>, </a:t>
+            </a:r>
+            <a:r>
+              <a:rPr lang="en-US" dirty="0" err="1"/>
+              <a:t>document</a:t>
+            </a:r>
+            <a:r>
+              <a:rPr lang="en-US" baseline="0" dirty="0" err="1"/>
+              <a:t>class</a:t>
+            </a:r>
+            <a:r>
+              <a:rPr lang="en-US" baseline="0" dirty="0"/>
+              <a:t> </a:t>
+            </a:r>
+            <a:r>
+              <a:rPr lang="en-US" baseline="0" dirty="0" err="1"/>
+              <a:t>hanya</a:t>
+            </a:r>
+            <a:r>
+              <a:rPr lang="en-US" baseline="0" dirty="0"/>
+              <a:t> 1x </a:t>
+            </a:r>
+            <a:r>
+              <a:rPr lang="en-US" baseline="0" dirty="0" err="1"/>
+              <a:t>saja</a:t>
+            </a:r>
+            <a:endParaRPr lang="en-US" baseline="0" dirty="0"/>
           </a:p>
           <a:p>
             <a:pPr marL="171450" indent="-171450">
@@ -2061,69 +2195,121 @@
               <a:buChar char="•"/>
             </a:pPr>
             <a:r>
-              <a:rPr lang="en-US" dirty="0" err="1" smtClean="0"/>
-              <a:t>Menghasilkan</a:t>
-            </a:r>
-            <a:r>
-              <a:rPr lang="en-US" dirty="0" smtClean="0"/>
-              <a:t> output  = File </a:t>
-            </a:r>
-            <a:r>
-              <a:rPr lang="en-US" dirty="0" err="1" smtClean="0"/>
-              <a:t>LaTeX</a:t>
-            </a:r>
-            <a:r>
-              <a:rPr lang="en-US" dirty="0" smtClean="0"/>
-              <a:t> / File PDF</a:t>
-            </a:r>
-          </a:p>
-          <a:p>
-            <a:pPr marL="171450" indent="-171450">
-              <a:buFont typeface="Arial" charset="0"/>
-              <a:buChar char="•"/>
-            </a:pPr>
-            <a:r>
-              <a:rPr lang="en-US" dirty="0" err="1" smtClean="0"/>
-              <a:t>Perbedaan</a:t>
-            </a:r>
-            <a:r>
-              <a:rPr lang="en-US" dirty="0" smtClean="0"/>
-              <a:t> -&gt; </a:t>
-            </a:r>
-            <a:r>
-              <a:rPr lang="en-US" dirty="0" err="1" smtClean="0"/>
-              <a:t>TeXDoclet</a:t>
-            </a:r>
-            <a:r>
-              <a:rPr lang="en-US" baseline="0" dirty="0" smtClean="0"/>
-              <a:t> </a:t>
-            </a:r>
-            <a:r>
-              <a:rPr lang="en-US" baseline="0" dirty="0" err="1" smtClean="0"/>
-              <a:t>dapat</a:t>
-            </a:r>
-            <a:r>
-              <a:rPr lang="en-US" baseline="0" dirty="0" smtClean="0"/>
-              <a:t> </a:t>
-            </a:r>
-            <a:r>
-              <a:rPr lang="en-US" baseline="0" dirty="0" err="1" smtClean="0"/>
-              <a:t>menghasilkan</a:t>
-            </a:r>
-            <a:r>
-              <a:rPr lang="en-US" baseline="0" dirty="0" smtClean="0"/>
-              <a:t> output PDF</a:t>
-            </a:r>
-            <a:endParaRPr lang="en-US" dirty="0" smtClean="0"/>
-          </a:p>
-          <a:p>
-            <a:pPr marL="171450" indent="-171450">
-              <a:buFontTx/>
-              <a:buChar char="-"/>
-            </a:pPr>
-            <a:endParaRPr lang="en-US" dirty="0" smtClean="0"/>
-          </a:p>
-          <a:p>
+              <a:rPr lang="en-US" baseline="0" dirty="0" err="1"/>
+              <a:t>Untuk</a:t>
+            </a:r>
+            <a:r>
+              <a:rPr lang="en-US" baseline="0" dirty="0"/>
+              <a:t> </a:t>
+            </a:r>
+            <a:r>
+              <a:rPr lang="en-US" baseline="0" dirty="0" err="1"/>
+              <a:t>menampilkan</a:t>
+            </a:r>
+            <a:r>
+              <a:rPr lang="en-US" baseline="0" dirty="0"/>
+              <a:t> </a:t>
+            </a:r>
+            <a:r>
+              <a:rPr lang="en-US" baseline="0" dirty="0" err="1"/>
+              <a:t>isi</a:t>
+            </a:r>
+            <a:r>
+              <a:rPr lang="en-US" baseline="0" dirty="0"/>
+              <a:t> </a:t>
+            </a:r>
+            <a:r>
+              <a:rPr lang="en-US" baseline="0" dirty="0" err="1"/>
+              <a:t>dari</a:t>
+            </a:r>
+            <a:r>
+              <a:rPr lang="en-US" baseline="0" dirty="0"/>
+              <a:t> </a:t>
+            </a:r>
+            <a:r>
+              <a:rPr lang="en-US" baseline="0" dirty="0" err="1"/>
+              <a:t>dokumen</a:t>
+            </a:r>
+            <a:r>
+              <a:rPr lang="en-US" baseline="0" dirty="0"/>
+              <a:t>, </a:t>
+            </a:r>
+            <a:r>
+              <a:rPr lang="en-US" baseline="0" dirty="0" err="1"/>
+              <a:t>perlu</a:t>
+            </a:r>
+            <a:r>
+              <a:rPr lang="en-US" baseline="0" dirty="0"/>
+              <a:t> command begin{document} </a:t>
+            </a:r>
+            <a:r>
+              <a:rPr lang="en-US" baseline="0" dirty="0" err="1"/>
+              <a:t>dan</a:t>
+            </a:r>
+            <a:r>
+              <a:rPr lang="en-US" baseline="0" dirty="0"/>
+              <a:t> </a:t>
+            </a:r>
+            <a:r>
+              <a:rPr lang="en-US" baseline="0" dirty="0" err="1"/>
+              <a:t>ditutup</a:t>
+            </a:r>
+            <a:r>
+              <a:rPr lang="en-US" baseline="0" dirty="0"/>
+              <a:t> </a:t>
+            </a:r>
+            <a:r>
+              <a:rPr lang="en-US" baseline="0" dirty="0" err="1"/>
+              <a:t>dengan</a:t>
+            </a:r>
+            <a:r>
+              <a:rPr lang="en-US" baseline="0" dirty="0"/>
+              <a:t> end{document}, </a:t>
+            </a:r>
+            <a:r>
+              <a:rPr lang="en-US" baseline="0" dirty="0" err="1"/>
+              <a:t>seluruh</a:t>
+            </a:r>
+            <a:r>
+              <a:rPr lang="en-US" baseline="0" dirty="0"/>
+              <a:t> </a:t>
+            </a:r>
+            <a:r>
+              <a:rPr lang="en-US" baseline="0" dirty="0" err="1"/>
+              <a:t>penulisan</a:t>
+            </a:r>
+            <a:r>
+              <a:rPr lang="en-US" baseline="0" dirty="0"/>
+              <a:t> yang </a:t>
+            </a:r>
+            <a:r>
+              <a:rPr lang="en-US" baseline="0" dirty="0" err="1"/>
+              <a:t>dilakukan</a:t>
+            </a:r>
+            <a:r>
+              <a:rPr lang="en-US" baseline="0" dirty="0"/>
+              <a:t> </a:t>
+            </a:r>
+            <a:r>
+              <a:rPr lang="en-US" baseline="0" dirty="0" err="1"/>
+              <a:t>didalam</a:t>
+            </a:r>
+            <a:r>
+              <a:rPr lang="en-US" baseline="0" dirty="0"/>
+              <a:t> begin{document} </a:t>
+            </a:r>
+            <a:r>
+              <a:rPr lang="en-US" baseline="0" dirty="0" err="1"/>
+              <a:t>akan</a:t>
+            </a:r>
+            <a:r>
+              <a:rPr lang="en-US" baseline="0" dirty="0"/>
+              <a:t> </a:t>
+            </a:r>
+            <a:r>
+              <a:rPr lang="en-US" baseline="0" dirty="0" err="1"/>
+              <a:t>ditampilkan</a:t>
+            </a:r>
             <a:endParaRPr lang="en-US" dirty="0"/>
           </a:p>
         </p:txBody>
@@ -2145,7 +2331,7 @@
           <a:p>
             <a:fld id="{D3273E86-8B5A-5F41-B9A4-689B74E91ED5}" type="slidenum">
               <a:rPr lang="en-US" smtClean="0"/>
-              <a:t>14</a:t>
+              <a:t>9</a:t>
             </a:fld>
             <a:endParaRPr lang="en-US"/>
           </a:p>
@@ -2154,7 +2340,7 @@
     </p:spTree>
     <p:extLst>
       <p:ext uri="{BB962C8B-B14F-4D97-AF65-F5344CB8AC3E}">
-        <p14:creationId xmlns:p14="http://schemas.microsoft.com/office/powerpoint/2010/main" val="346545306"/>
+        <p14:creationId xmlns:p14="http://schemas.microsoft.com/office/powerpoint/2010/main" val="2127791351"/>
       </p:ext>
     </p:extLst>
   </p:cSld>
@@ -2206,10 +2392,9 @@
           </a:lstStyle>
           <a:p>
             <a:r>
-              <a:rPr lang="en-US" smtClean="0"/>
+              <a:rPr lang="en-US"/>
               <a:t>Click to edit Master title style</a:t>
             </a:r>
-            <a:endParaRPr lang="en-US"/>
           </a:p>
         </p:txBody>
       </p:sp>
@@ -2271,10 +2456,9 @@
           </a:lstStyle>
           <a:p>
             <a:r>
-              <a:rPr lang="en-US" smtClean="0"/>
+              <a:rPr lang="en-US"/>
               <a:t>Click to edit Master subtitle style</a:t>
             </a:r>
-            <a:endParaRPr lang="en-US"/>
           </a:p>
         </p:txBody>
       </p:sp>
@@ -2295,7 +2479,7 @@
           <a:p>
             <a:fld id="{607CADAA-718B-5F49-8F1C-87C9F538CBE9}" type="datetimeFigureOut">
               <a:rPr lang="en-US" smtClean="0"/>
-              <a:t>12/4/17</a:t>
+              <a:t>12/10/18</a:t>
             </a:fld>
             <a:endParaRPr lang="en-US"/>
           </a:p>
@@ -2389,10 +2573,9 @@
           <a:lstStyle/>
           <a:p>
             <a:r>
-              <a:rPr lang="en-US" smtClean="0"/>
+              <a:rPr lang="en-US"/>
               <a:t>Click to edit Master title style</a:t>
             </a:r>
-            <a:endParaRPr lang="en-US"/>
           </a:p>
         </p:txBody>
       </p:sp>
@@ -2413,38 +2596,37 @@
           <a:p>
             <a:pPr lvl="0"/>
             <a:r>
-              <a:rPr lang="en-US" smtClean="0"/>
+              <a:rPr lang="en-US"/>
               <a:t>Click to edit Master text styles</a:t>
             </a:r>
           </a:p>
           <a:p>
             <a:pPr lvl="1"/>
             <a:r>
-              <a:rPr lang="en-US" smtClean="0"/>
+              <a:rPr lang="en-US"/>
               <a:t>Second level</a:t>
             </a:r>
           </a:p>
           <a:p>
             <a:pPr lvl="2"/>
             <a:r>
-              <a:rPr lang="en-US" smtClean="0"/>
+              <a:rPr lang="en-US"/>
               <a:t>Third level</a:t>
             </a:r>
           </a:p>
           <a:p>
             <a:pPr lvl="3"/>
             <a:r>
-              <a:rPr lang="en-US" smtClean="0"/>
+              <a:rPr lang="en-US"/>
               <a:t>Fourth level</a:t>
             </a:r>
           </a:p>
           <a:p>
             <a:pPr lvl="4"/>
             <a:r>
-              <a:rPr lang="en-US" smtClean="0"/>
+              <a:rPr lang="en-US"/>
               <a:t>Fifth level</a:t>
             </a:r>
-            <a:endParaRPr lang="en-US"/>
           </a:p>
         </p:txBody>
       </p:sp>
@@ -2465,7 +2647,7 @@
           <a:p>
             <a:fld id="{607CADAA-718B-5F49-8F1C-87C9F538CBE9}" type="datetimeFigureOut">
               <a:rPr lang="en-US" smtClean="0"/>
-              <a:t>12/4/17</a:t>
+              <a:t>12/10/18</a:t>
             </a:fld>
             <a:endParaRPr lang="en-US"/>
           </a:p>
@@ -2564,10 +2746,9 @@
           <a:lstStyle/>
           <a:p>
             <a:r>
-              <a:rPr lang="en-US" smtClean="0"/>
+              <a:rPr lang="en-US"/>
               <a:t>Click to edit Master title style</a:t>
             </a:r>
-            <a:endParaRPr lang="en-US"/>
           </a:p>
         </p:txBody>
       </p:sp>
@@ -2593,38 +2774,37 @@
           <a:p>
             <a:pPr lvl="0"/>
             <a:r>
-              <a:rPr lang="en-US" smtClean="0"/>
+              <a:rPr lang="en-US"/>
               <a:t>Click to edit Master text styles</a:t>
             </a:r>
           </a:p>
           <a:p>
             <a:pPr lvl="1"/>
             <a:r>
-              <a:rPr lang="en-US" smtClean="0"/>
+              <a:rPr lang="en-US"/>
               <a:t>Second level</a:t>
             </a:r>
           </a:p>
           <a:p>
             <a:pPr lvl="2"/>
             <a:r>
-              <a:rPr lang="en-US" smtClean="0"/>
+              <a:rPr lang="en-US"/>
               <a:t>Third level</a:t>
             </a:r>
           </a:p>
           <a:p>
             <a:pPr lvl="3"/>
             <a:r>
-              <a:rPr lang="en-US" smtClean="0"/>
+              <a:rPr lang="en-US"/>
               <a:t>Fourth level</a:t>
             </a:r>
           </a:p>
           <a:p>
             <a:pPr lvl="4"/>
             <a:r>
-              <a:rPr lang="en-US" smtClean="0"/>
+              <a:rPr lang="en-US"/>
               <a:t>Fifth level</a:t>
             </a:r>
-            <a:endParaRPr lang="en-US"/>
           </a:p>
         </p:txBody>
       </p:sp>
@@ -2645,7 +2825,7 @@
           <a:p>
             <a:fld id="{607CADAA-718B-5F49-8F1C-87C9F538CBE9}" type="datetimeFigureOut">
               <a:rPr lang="en-US" smtClean="0"/>
-              <a:t>12/4/17</a:t>
+              <a:t>12/10/18</a:t>
             </a:fld>
             <a:endParaRPr lang="en-US"/>
           </a:p>
@@ -2739,10 +2919,9 @@
           <a:lstStyle/>
           <a:p>
             <a:r>
-              <a:rPr lang="en-US" smtClean="0"/>
+              <a:rPr lang="en-US"/>
               <a:t>Click to edit Master title style</a:t>
             </a:r>
-            <a:endParaRPr lang="en-US"/>
           </a:p>
         </p:txBody>
       </p:sp>
@@ -2763,38 +2942,37 @@
           <a:p>
             <a:pPr lvl="0"/>
             <a:r>
-              <a:rPr lang="en-US" smtClean="0"/>
+              <a:rPr lang="en-US"/>
               <a:t>Click to edit Master text styles</a:t>
             </a:r>
           </a:p>
           <a:p>
             <a:pPr lvl="1"/>
             <a:r>
-              <a:rPr lang="en-US" smtClean="0"/>
+              <a:rPr lang="en-US"/>
               <a:t>Second level</a:t>
             </a:r>
           </a:p>
           <a:p>
             <a:pPr lvl="2"/>
             <a:r>
-              <a:rPr lang="en-US" smtClean="0"/>
+              <a:rPr lang="en-US"/>
               <a:t>Third level</a:t>
             </a:r>
           </a:p>
           <a:p>
             <a:pPr lvl="3"/>
             <a:r>
-              <a:rPr lang="en-US" smtClean="0"/>
+              <a:rPr lang="en-US"/>
               <a:t>Fourth level</a:t>
             </a:r>
           </a:p>
           <a:p>
             <a:pPr lvl="4"/>
             <a:r>
-              <a:rPr lang="en-US" smtClean="0"/>
+              <a:rPr lang="en-US"/>
               <a:t>Fifth level</a:t>
             </a:r>
-            <a:endParaRPr lang="en-US"/>
           </a:p>
         </p:txBody>
       </p:sp>
@@ -2815,7 +2993,7 @@
           <a:p>
             <a:fld id="{607CADAA-718B-5F49-8F1C-87C9F538CBE9}" type="datetimeFigureOut">
               <a:rPr lang="en-US" smtClean="0"/>
-              <a:t>12/4/17</a:t>
+              <a:t>12/10/18</a:t>
             </a:fld>
             <a:endParaRPr lang="en-US"/>
           </a:p>
@@ -2918,10 +3096,9 @@
           </a:lstStyle>
           <a:p>
             <a:r>
-              <a:rPr lang="en-US" smtClean="0"/>
+              <a:rPr lang="en-US"/>
               <a:t>Click to edit Master title style</a:t>
             </a:r>
-            <a:endParaRPr lang="en-US"/>
           </a:p>
         </p:txBody>
       </p:sp>
@@ -3038,7 +3215,7 @@
           <a:p>
             <a:pPr lvl="0"/>
             <a:r>
-              <a:rPr lang="en-US" smtClean="0"/>
+              <a:rPr lang="en-US"/>
               <a:t>Click to edit Master text styles</a:t>
             </a:r>
           </a:p>
@@ -3061,7 +3238,7 @@
           <a:p>
             <a:fld id="{607CADAA-718B-5F49-8F1C-87C9F538CBE9}" type="datetimeFigureOut">
               <a:rPr lang="en-US" smtClean="0"/>
-              <a:t>12/4/17</a:t>
+              <a:t>12/10/18</a:t>
             </a:fld>
             <a:endParaRPr lang="en-US"/>
           </a:p>
@@ -3155,10 +3332,9 @@
           <a:lstStyle/>
           <a:p>
             <a:r>
-              <a:rPr lang="en-US" smtClean="0"/>
+              <a:rPr lang="en-US"/>
               <a:t>Click to edit Master title style</a:t>
             </a:r>
-            <a:endParaRPr lang="en-US"/>
           </a:p>
         </p:txBody>
       </p:sp>
@@ -3184,38 +3360,37 @@
           <a:p>
             <a:pPr lvl="0"/>
             <a:r>
-              <a:rPr lang="en-US" smtClean="0"/>
+              <a:rPr lang="en-US"/>
               <a:t>Click to edit Master text styles</a:t>
             </a:r>
           </a:p>
           <a:p>
             <a:pPr lvl="1"/>
             <a:r>
-              <a:rPr lang="en-US" smtClean="0"/>
+              <a:rPr lang="en-US"/>
               <a:t>Second level</a:t>
             </a:r>
           </a:p>
           <a:p>
             <a:pPr lvl="2"/>
             <a:r>
-              <a:rPr lang="en-US" smtClean="0"/>
+              <a:rPr lang="en-US"/>
               <a:t>Third level</a:t>
             </a:r>
           </a:p>
           <a:p>
             <a:pPr lvl="3"/>
             <a:r>
-              <a:rPr lang="en-US" smtClean="0"/>
+              <a:rPr lang="en-US"/>
               <a:t>Fourth level</a:t>
             </a:r>
           </a:p>
           <a:p>
             <a:pPr lvl="4"/>
             <a:r>
-              <a:rPr lang="en-US" smtClean="0"/>
+              <a:rPr lang="en-US"/>
               <a:t>Fifth level</a:t>
             </a:r>
-            <a:endParaRPr lang="en-US"/>
           </a:p>
         </p:txBody>
       </p:sp>
@@ -3241,38 +3416,37 @@
           <a:p>
             <a:pPr lvl="0"/>
             <a:r>
-              <a:rPr lang="en-US" smtClean="0"/>
+              <a:rPr lang="en-US"/>
               <a:t>Click to edit Master text styles</a:t>
             </a:r>
           </a:p>
           <a:p>
             <a:pPr lvl="1"/>
             <a:r>
-              <a:rPr lang="en-US" smtClean="0"/>
+              <a:rPr lang="en-US"/>
               <a:t>Second level</a:t>
             </a:r>
           </a:p>
           <a:p>
             <a:pPr lvl="2"/>
             <a:r>
-              <a:rPr lang="en-US" smtClean="0"/>
+              <a:rPr lang="en-US"/>
               <a:t>Third level</a:t>
             </a:r>
           </a:p>
           <a:p>
             <a:pPr lvl="3"/>
             <a:r>
-              <a:rPr lang="en-US" smtClean="0"/>
+              <a:rPr lang="en-US"/>
               <a:t>Fourth level</a:t>
             </a:r>
           </a:p>
           <a:p>
             <a:pPr lvl="4"/>
             <a:r>
-              <a:rPr lang="en-US" smtClean="0"/>
+              <a:rPr lang="en-US"/>
               <a:t>Fifth level</a:t>
             </a:r>
-            <a:endParaRPr lang="en-US"/>
           </a:p>
         </p:txBody>
       </p:sp>
@@ -3293,7 +3467,7 @@
           <a:p>
             <a:fld id="{607CADAA-718B-5F49-8F1C-87C9F538CBE9}" type="datetimeFigureOut">
               <a:rPr lang="en-US" smtClean="0"/>
-              <a:t>12/4/17</a:t>
+              <a:t>12/10/18</a:t>
             </a:fld>
             <a:endParaRPr lang="en-US"/>
           </a:p>
@@ -3392,10 +3566,9 @@
           <a:lstStyle/>
           <a:p>
             <a:r>
-              <a:rPr lang="en-US" smtClean="0"/>
+              <a:rPr lang="en-US"/>
               <a:t>Click to edit Master title style</a:t>
             </a:r>
-            <a:endParaRPr lang="en-US"/>
           </a:p>
         </p:txBody>
       </p:sp>
@@ -3458,7 +3631,7 @@
           <a:p>
             <a:pPr lvl="0"/>
             <a:r>
-              <a:rPr lang="en-US" smtClean="0"/>
+              <a:rPr lang="en-US"/>
               <a:t>Click to edit Master text styles</a:t>
             </a:r>
           </a:p>
@@ -3486,38 +3659,37 @@
           <a:p>
             <a:pPr lvl="0"/>
             <a:r>
-              <a:rPr lang="en-US" smtClean="0"/>
+              <a:rPr lang="en-US"/>
               <a:t>Click to edit Master text styles</a:t>
             </a:r>
           </a:p>
           <a:p>
             <a:pPr lvl="1"/>
             <a:r>
-              <a:rPr lang="en-US" smtClean="0"/>
+              <a:rPr lang="en-US"/>
               <a:t>Second level</a:t>
             </a:r>
           </a:p>
           <a:p>
             <a:pPr lvl="2"/>
             <a:r>
-              <a:rPr lang="en-US" smtClean="0"/>
+              <a:rPr lang="en-US"/>
               <a:t>Third level</a:t>
             </a:r>
           </a:p>
           <a:p>
             <a:pPr lvl="3"/>
             <a:r>
-              <a:rPr lang="en-US" smtClean="0"/>
+              <a:rPr lang="en-US"/>
               <a:t>Fourth level</a:t>
             </a:r>
           </a:p>
           <a:p>
             <a:pPr lvl="4"/>
             <a:r>
-              <a:rPr lang="en-US" smtClean="0"/>
+              <a:rPr lang="en-US"/>
               <a:t>Fifth level</a:t>
             </a:r>
-            <a:endParaRPr lang="en-US"/>
           </a:p>
         </p:txBody>
       </p:sp>
@@ -3580,7 +3752,7 @@
           <a:p>
             <a:pPr lvl="0"/>
             <a:r>
-              <a:rPr lang="en-US" smtClean="0"/>
+              <a:rPr lang="en-US"/>
               <a:t>Click to edit Master text styles</a:t>
             </a:r>
           </a:p>
@@ -3608,38 +3780,37 @@
           <a:p>
             <a:pPr lvl="0"/>
             <a:r>
-              <a:rPr lang="en-US" smtClean="0"/>
+              <a:rPr lang="en-US"/>
               <a:t>Click to edit Master text styles</a:t>
             </a:r>
           </a:p>
           <a:p>
             <a:pPr lvl="1"/>
             <a:r>
-              <a:rPr lang="en-US" smtClean="0"/>
+              <a:rPr lang="en-US"/>
               <a:t>Second level</a:t>
             </a:r>
           </a:p>
           <a:p>
             <a:pPr lvl="2"/>
             <a:r>
-              <a:rPr lang="en-US" smtClean="0"/>
+              <a:rPr lang="en-US"/>
               <a:t>Third level</a:t>
             </a:r>
           </a:p>
           <a:p>
             <a:pPr lvl="3"/>
             <a:r>
-              <a:rPr lang="en-US" smtClean="0"/>
+              <a:rPr lang="en-US"/>
               <a:t>Fourth level</a:t>
             </a:r>
           </a:p>
           <a:p>
             <a:pPr lvl="4"/>
             <a:r>
-              <a:rPr lang="en-US" smtClean="0"/>
+              <a:rPr lang="en-US"/>
               <a:t>Fifth level</a:t>
             </a:r>
-            <a:endParaRPr lang="en-US"/>
           </a:p>
         </p:txBody>
       </p:sp>
@@ -3660,7 +3831,7 @@
           <a:p>
             <a:fld id="{607CADAA-718B-5F49-8F1C-87C9F538CBE9}" type="datetimeFigureOut">
               <a:rPr lang="en-US" smtClean="0"/>
-              <a:t>12/4/17</a:t>
+              <a:t>12/10/18</a:t>
             </a:fld>
             <a:endParaRPr lang="en-US"/>
           </a:p>
@@ -3754,10 +3925,9 @@
           <a:lstStyle/>
           <a:p>
             <a:r>
-              <a:rPr lang="en-US" smtClean="0"/>
+              <a:rPr lang="en-US"/>
               <a:t>Click to edit Master title style</a:t>
             </a:r>
-            <a:endParaRPr lang="en-US"/>
           </a:p>
         </p:txBody>
       </p:sp>
@@ -3778,7 +3948,7 @@
           <a:p>
             <a:fld id="{607CADAA-718B-5F49-8F1C-87C9F538CBE9}" type="datetimeFigureOut">
               <a:rPr lang="en-US" smtClean="0"/>
-              <a:t>12/4/17</a:t>
+              <a:t>12/10/18</a:t>
             </a:fld>
             <a:endParaRPr lang="en-US"/>
           </a:p>
@@ -3873,7 +4043,7 @@
           <a:p>
             <a:fld id="{607CADAA-718B-5F49-8F1C-87C9F538CBE9}" type="datetimeFigureOut">
               <a:rPr lang="en-US" smtClean="0"/>
-              <a:t>12/4/17</a:t>
+              <a:t>12/10/18</a:t>
             </a:fld>
             <a:endParaRPr lang="en-US"/>
           </a:p>
@@ -3976,10 +4146,9 @@
           </a:lstStyle>
           <a:p>
             <a:r>
-              <a:rPr lang="en-US" smtClean="0"/>
+              <a:rPr lang="en-US"/>
               <a:t>Click to edit Master title style</a:t>
             </a:r>
-            <a:endParaRPr lang="en-US"/>
           </a:p>
         </p:txBody>
       </p:sp>
@@ -4033,38 +4202,37 @@
           <a:p>
             <a:pPr lvl="0"/>
             <a:r>
-              <a:rPr lang="en-US" smtClean="0"/>
+              <a:rPr lang="en-US"/>
               <a:t>Click to edit Master text styles</a:t>
             </a:r>
           </a:p>
           <a:p>
             <a:pPr lvl="1"/>
             <a:r>
-              <a:rPr lang="en-US" smtClean="0"/>
+              <a:rPr lang="en-US"/>
               <a:t>Second level</a:t>
             </a:r>
           </a:p>
           <a:p>
             <a:pPr lvl="2"/>
             <a:r>
-              <a:rPr lang="en-US" smtClean="0"/>
+              <a:rPr lang="en-US"/>
               <a:t>Third level</a:t>
             </a:r>
           </a:p>
           <a:p>
             <a:pPr lvl="3"/>
             <a:r>
-              <a:rPr lang="en-US" smtClean="0"/>
+              <a:rPr lang="en-US"/>
               <a:t>Fourth level</a:t>
             </a:r>
           </a:p>
           <a:p>
             <a:pPr lvl="4"/>
             <a:r>
-              <a:rPr lang="en-US" smtClean="0"/>
+              <a:rPr lang="en-US"/>
               <a:t>Fifth level</a:t>
             </a:r>
-            <a:endParaRPr lang="en-US"/>
           </a:p>
         </p:txBody>
       </p:sp>
@@ -4127,7 +4295,7 @@
           <a:p>
             <a:pPr lvl="0"/>
             <a:r>
-              <a:rPr lang="en-US" smtClean="0"/>
+              <a:rPr lang="en-US"/>
               <a:t>Click to edit Master text styles</a:t>
             </a:r>
           </a:p>
@@ -4150,7 +4318,7 @@
           <a:p>
             <a:fld id="{607CADAA-718B-5F49-8F1C-87C9F538CBE9}" type="datetimeFigureOut">
               <a:rPr lang="en-US" smtClean="0"/>
-              <a:t>12/4/17</a:t>
+              <a:t>12/10/18</a:t>
             </a:fld>
             <a:endParaRPr lang="en-US"/>
           </a:p>
@@ -4253,10 +4421,9 @@
           </a:lstStyle>
           <a:p>
             <a:r>
-              <a:rPr lang="en-US" smtClean="0"/>
+              <a:rPr lang="en-US"/>
               <a:t>Click to edit Master title style</a:t>
             </a:r>
-            <a:endParaRPr lang="en-US"/>
           </a:p>
         </p:txBody>
       </p:sp>
@@ -4380,7 +4547,7 @@
           <a:p>
             <a:pPr lvl="0"/>
             <a:r>
-              <a:rPr lang="en-US" smtClean="0"/>
+              <a:rPr lang="en-US"/>
               <a:t>Click to edit Master text styles</a:t>
             </a:r>
           </a:p>
@@ -4403,7 +4570,7 @@
           <a:p>
             <a:fld id="{607CADAA-718B-5F49-8F1C-87C9F538CBE9}" type="datetimeFigureOut">
               <a:rPr lang="en-US" smtClean="0"/>
-              <a:t>12/4/17</a:t>
+              <a:t>12/10/18</a:t>
             </a:fld>
             <a:endParaRPr lang="en-US"/>
           </a:p>
@@ -4512,10 +4679,9 @@
           <a:lstStyle/>
           <a:p>
             <a:r>
-              <a:rPr lang="en-US" smtClean="0"/>
+              <a:rPr lang="en-US"/>
               <a:t>Click to edit Master title style</a:t>
             </a:r>
-            <a:endParaRPr lang="en-US"/>
           </a:p>
         </p:txBody>
       </p:sp>
@@ -4546,38 +4712,37 @@
           <a:p>
             <a:pPr lvl="0"/>
             <a:r>
-              <a:rPr lang="en-US" smtClean="0"/>
+              <a:rPr lang="en-US"/>
               <a:t>Click to edit Master text styles</a:t>
             </a:r>
           </a:p>
           <a:p>
             <a:pPr lvl="1"/>
             <a:r>
-              <a:rPr lang="en-US" smtClean="0"/>
+              <a:rPr lang="en-US"/>
               <a:t>Second level</a:t>
             </a:r>
           </a:p>
           <a:p>
             <a:pPr lvl="2"/>
             <a:r>
-              <a:rPr lang="en-US" smtClean="0"/>
+              <a:rPr lang="en-US"/>
               <a:t>Third level</a:t>
             </a:r>
           </a:p>
           <a:p>
             <a:pPr lvl="3"/>
             <a:r>
-              <a:rPr lang="en-US" smtClean="0"/>
+              <a:rPr lang="en-US"/>
               <a:t>Fourth level</a:t>
             </a:r>
           </a:p>
           <a:p>
             <a:pPr lvl="4"/>
             <a:r>
-              <a:rPr lang="en-US" smtClean="0"/>
+              <a:rPr lang="en-US"/>
               <a:t>Fifth level</a:t>
             </a:r>
-            <a:endParaRPr lang="en-US"/>
           </a:p>
         </p:txBody>
       </p:sp>
@@ -4616,7 +4781,7 @@
           <a:p>
             <a:fld id="{607CADAA-718B-5F49-8F1C-87C9F538CBE9}" type="datetimeFigureOut">
               <a:rPr lang="en-US" smtClean="0"/>
-              <a:t>12/4/17</a:t>
+              <a:t>12/10/18</a:t>
             </a:fld>
             <a:endParaRPr lang="en-US"/>
           </a:p>
@@ -5037,31 +5202,31 @@
           <a:lstStyle/>
           <a:p>
             <a:r>
-              <a:rPr lang="en-US" dirty="0" err="1" smtClean="0"/>
+              <a:rPr lang="en-US" dirty="0" err="1"/>
               <a:t>Konversi</a:t>
             </a:r>
             <a:r>
-              <a:rPr lang="en-US" dirty="0" smtClean="0"/>
-              <a:t> </a:t>
-            </a:r>
-            <a:r>
-              <a:rPr lang="en-US" dirty="0" err="1" smtClean="0"/>
+              <a:rPr lang="en-US" dirty="0"/>
+              <a:t> </a:t>
+            </a:r>
+            <a:r>
+              <a:rPr lang="en-US" dirty="0" err="1"/>
               <a:t>JavaDoc</a:t>
             </a:r>
             <a:r>
-              <a:rPr lang="en-US" dirty="0" smtClean="0"/>
-              <a:t> </a:t>
-            </a:r>
-            <a:r>
-              <a:rPr lang="en-US" dirty="0" err="1" smtClean="0"/>
+              <a:rPr lang="en-US" dirty="0"/>
+              <a:t> </a:t>
+            </a:r>
+            <a:r>
+              <a:rPr lang="en-US" dirty="0" err="1"/>
               <a:t>ke</a:t>
             </a:r>
             <a:r>
-              <a:rPr lang="en-US" dirty="0" smtClean="0"/>
-              <a:t> </a:t>
-            </a:r>
-            <a:r>
-              <a:rPr lang="en-US" dirty="0" err="1" smtClean="0"/>
+              <a:rPr lang="en-US" dirty="0"/>
+              <a:t> </a:t>
+            </a:r>
+            <a:r>
+              <a:rPr lang="en-US" dirty="0" err="1"/>
               <a:t>LaTeX</a:t>
             </a:r>
             <a:endParaRPr lang="en-US" dirty="0"/>
@@ -5084,16 +5249,15 @@
           <a:lstStyle/>
           <a:p>
             <a:r>
-              <a:rPr lang="en-US" dirty="0" smtClean="0"/>
+              <a:rPr lang="en-US" dirty="0"/>
               <a:t>Adli Fariz Bonaputra</a:t>
             </a:r>
           </a:p>
           <a:p>
             <a:r>
-              <a:rPr lang="en-US" dirty="0" smtClean="0"/>
+              <a:rPr lang="en-US" dirty="0"/>
               <a:t>2012730082</a:t>
             </a:r>
-            <a:endParaRPr lang="en-US" dirty="0"/>
           </a:p>
         </p:txBody>
       </p:sp>
@@ -5107,13 +5271,6 @@
   <p:clrMapOvr>
     <a:masterClrMapping/>
   </p:clrMapOvr>
-  <p:timing>
-    <p:tnLst>
-      <p:par>
-        <p:cTn id="1" dur="indefinite" restart="never" nodeType="tmRoot"/>
-      </p:par>
-    </p:tnLst>
-  </p:timing>
 </p:sld>
 </file>
 
@@ -5155,31 +5312,31 @@
           <a:lstStyle/>
           <a:p>
             <a:r>
-              <a:rPr lang="en-US" dirty="0" err="1" smtClean="0"/>
+              <a:rPr lang="en-US" dirty="0" err="1"/>
               <a:t>Analisis</a:t>
             </a:r>
             <a:r>
-              <a:rPr lang="en-US" dirty="0" smtClean="0"/>
-              <a:t> </a:t>
-            </a:r>
-            <a:r>
-              <a:rPr lang="en-US" dirty="0" err="1" smtClean="0"/>
+              <a:rPr lang="en-US" dirty="0"/>
+              <a:t> </a:t>
+            </a:r>
+            <a:r>
+              <a:rPr lang="en-US" dirty="0" err="1"/>
               <a:t>Kebutuhan</a:t>
             </a:r>
             <a:r>
-              <a:rPr lang="en-US" dirty="0" smtClean="0"/>
-              <a:t> </a:t>
-            </a:r>
-            <a:r>
-              <a:rPr lang="en-US" dirty="0" err="1" smtClean="0"/>
+              <a:rPr lang="en-US" dirty="0"/>
+              <a:t> </a:t>
+            </a:r>
+            <a:r>
+              <a:rPr lang="en-US" dirty="0" err="1"/>
               <a:t>Perangkat</a:t>
             </a:r>
             <a:r>
-              <a:rPr lang="en-US" dirty="0" smtClean="0"/>
-              <a:t> </a:t>
-            </a:r>
-            <a:r>
-              <a:rPr lang="en-US" dirty="0" err="1" smtClean="0"/>
+              <a:rPr lang="en-US" dirty="0"/>
+              <a:t> </a:t>
+            </a:r>
+            <a:r>
+              <a:rPr lang="en-US" dirty="0" err="1"/>
               <a:t>Lunak</a:t>
             </a:r>
             <a:endParaRPr lang="en-US" dirty="0"/>
@@ -5207,52 +5364,52 @@
           <a:lstStyle/>
           <a:p>
             <a:r>
-              <a:rPr lang="en-US" dirty="0" err="1" smtClean="0"/>
+              <a:rPr lang="en-US" dirty="0" err="1"/>
               <a:t>Menentukan</a:t>
             </a:r>
             <a:r>
-              <a:rPr lang="en-US" dirty="0" smtClean="0"/>
-              <a:t> </a:t>
-            </a:r>
-            <a:r>
-              <a:rPr lang="en-US" i="1" dirty="0" smtClean="0"/>
+              <a:rPr lang="en-US" dirty="0"/>
+              <a:t> </a:t>
+            </a:r>
+            <a:r>
+              <a:rPr lang="en-US" i="1" dirty="0"/>
               <a:t>template</a:t>
             </a:r>
             <a:r>
-              <a:rPr lang="en-US" dirty="0" smtClean="0"/>
-              <a:t> </a:t>
-            </a:r>
-            <a:r>
-              <a:rPr lang="en-US" dirty="0" err="1" smtClean="0"/>
+              <a:rPr lang="en-US" dirty="0"/>
+              <a:t> </a:t>
+            </a:r>
+            <a:r>
+              <a:rPr lang="en-US" dirty="0" err="1"/>
               <a:t>LaTeX</a:t>
             </a:r>
             <a:r>
-              <a:rPr lang="en-US" dirty="0" smtClean="0"/>
-              <a:t> </a:t>
-            </a:r>
-            <a:r>
-              <a:rPr lang="en-US" dirty="0" err="1" smtClean="0"/>
+              <a:rPr lang="en-US" dirty="0"/>
+              <a:t> </a:t>
+            </a:r>
+            <a:r>
+              <a:rPr lang="en-US" dirty="0" err="1"/>
               <a:t>untuk</a:t>
             </a:r>
             <a:r>
-              <a:rPr lang="en-US" dirty="0" smtClean="0"/>
+              <a:rPr lang="en-US" dirty="0"/>
               <a:t> Javadoc</a:t>
             </a:r>
           </a:p>
           <a:p>
             <a:r>
-              <a:rPr lang="en-US" dirty="0" err="1" smtClean="0"/>
+              <a:rPr lang="en-US" dirty="0" err="1"/>
               <a:t>Terdapat</a:t>
             </a:r>
             <a:r>
-              <a:rPr lang="en-US" dirty="0" smtClean="0"/>
+              <a:rPr lang="en-US" dirty="0"/>
               <a:t> list 3 </a:t>
             </a:r>
             <a:r>
-              <a:rPr lang="en-US" dirty="0" err="1" smtClean="0"/>
+              <a:rPr lang="en-US" dirty="0" err="1"/>
               <a:t>tingkat</a:t>
             </a:r>
-            <a:endParaRPr lang="en-US" dirty="0" smtClean="0"/>
+            <a:endParaRPr lang="en-US" dirty="0"/>
           </a:p>
           <a:p>
             <a:endParaRPr lang="en-US" dirty="0"/>
@@ -5298,13 +5455,6 @@
   <p:clrMapOvr>
     <a:masterClrMapping/>
   </p:clrMapOvr>
-  <p:timing>
-    <p:tnLst>
-      <p:par>
-        <p:cTn id="1" dur="indefinite" restart="never" nodeType="tmRoot"/>
-      </p:par>
-    </p:tnLst>
-  </p:timing>
 </p:sld>
 </file>
 
@@ -5348,39 +5498,39 @@
           <a:lstStyle/>
           <a:p>
             <a:r>
-              <a:rPr lang="en-US" dirty="0" err="1" smtClean="0"/>
+              <a:rPr lang="en-US" dirty="0" err="1"/>
               <a:t>Analisis</a:t>
             </a:r>
             <a:r>
-              <a:rPr lang="en-US" dirty="0" smtClean="0"/>
-              <a:t> </a:t>
-            </a:r>
-            <a:r>
-              <a:rPr lang="en-US" dirty="0" err="1" smtClean="0"/>
+              <a:rPr lang="en-US" dirty="0"/>
+              <a:t> </a:t>
+            </a:r>
+            <a:r>
+              <a:rPr lang="en-US" dirty="0" err="1"/>
               <a:t>Kebutuhan</a:t>
             </a:r>
             <a:r>
-              <a:rPr lang="en-US" dirty="0" smtClean="0"/>
-              <a:t> </a:t>
-            </a:r>
-            <a:r>
-              <a:rPr lang="en-US" dirty="0" err="1" smtClean="0"/>
+              <a:rPr lang="en-US" dirty="0"/>
+              <a:t> </a:t>
+            </a:r>
+            <a:r>
+              <a:rPr lang="en-US" dirty="0" err="1"/>
               <a:t>Perangkat</a:t>
             </a:r>
             <a:r>
-              <a:rPr lang="en-US" dirty="0" smtClean="0"/>
-              <a:t> </a:t>
-            </a:r>
-            <a:r>
-              <a:rPr lang="en-US" dirty="0" err="1" smtClean="0"/>
+              <a:rPr lang="en-US" dirty="0"/>
+              <a:t> </a:t>
+            </a:r>
+            <a:r>
+              <a:rPr lang="en-US" dirty="0" err="1"/>
               <a:t>Lunak</a:t>
             </a:r>
             <a:r>
-              <a:rPr lang="en-US" dirty="0" smtClean="0"/>
-              <a:t> </a:t>
-            </a:r>
-            <a:r>
-              <a:rPr lang="en-US" sz="3200" i="1" dirty="0" smtClean="0"/>
+              <a:rPr lang="en-US" dirty="0"/>
+              <a:t> </a:t>
+            </a:r>
+            <a:r>
+              <a:rPr lang="en-US" sz="3200" i="1" dirty="0"/>
               <a:t>cont.</a:t>
             </a:r>
             <a:endParaRPr lang="en-US" i="1" dirty="0"/>
@@ -5408,88 +5558,84 @@
           <a:lstStyle/>
           <a:p>
             <a:r>
-              <a:rPr lang="en-US" dirty="0" err="1" smtClean="0"/>
+              <a:rPr lang="en-US" dirty="0" err="1"/>
               <a:t>Menentukan</a:t>
             </a:r>
             <a:r>
-              <a:rPr lang="en-US" dirty="0" smtClean="0"/>
-              <a:t> </a:t>
-            </a:r>
-            <a:r>
-              <a:rPr lang="en-US" dirty="0"/>
-              <a:t> </a:t>
-            </a:r>
-            <a:r>
-              <a:rPr lang="en-US" dirty="0" err="1" smtClean="0"/>
+              <a:rPr lang="en-US" dirty="0"/>
+              <a:t>  </a:t>
+            </a:r>
+            <a:r>
+              <a:rPr lang="en-US" dirty="0" err="1"/>
               <a:t>struktur</a:t>
             </a:r>
             <a:r>
-              <a:rPr lang="en-US" dirty="0" smtClean="0"/>
-              <a:t> </a:t>
-            </a:r>
-            <a:r>
-              <a:rPr lang="en-US" dirty="0" err="1" smtClean="0"/>
+              <a:rPr lang="en-US" dirty="0"/>
+              <a:t> </a:t>
+            </a:r>
+            <a:r>
+              <a:rPr lang="en-US" dirty="0" err="1"/>
               <a:t>kode</a:t>
             </a:r>
             <a:r>
-              <a:rPr lang="en-US" dirty="0" smtClean="0"/>
+              <a:rPr lang="en-US" dirty="0"/>
               <a:t> java</a:t>
             </a:r>
           </a:p>
           <a:p>
             <a:r>
-              <a:rPr lang="en-US" dirty="0" err="1" smtClean="0"/>
+              <a:rPr lang="en-US" dirty="0" err="1"/>
               <a:t>Kelas</a:t>
             </a:r>
             <a:r>
-              <a:rPr lang="en-US" dirty="0" smtClean="0"/>
+              <a:rPr lang="en-US" dirty="0"/>
               <a:t>, </a:t>
             </a:r>
             <a:r>
-              <a:rPr lang="en-US" dirty="0" err="1" smtClean="0"/>
+              <a:rPr lang="en-US" dirty="0" err="1"/>
               <a:t>atribut</a:t>
             </a:r>
             <a:r>
-              <a:rPr lang="en-US" dirty="0" smtClean="0"/>
-              <a:t> </a:t>
-            </a:r>
-            <a:r>
-              <a:rPr lang="en-US" dirty="0" err="1" smtClean="0"/>
+              <a:rPr lang="en-US" dirty="0"/>
+              <a:t> </a:t>
+            </a:r>
+            <a:r>
+              <a:rPr lang="en-US" dirty="0" err="1"/>
               <a:t>dan</a:t>
             </a:r>
             <a:r>
-              <a:rPr lang="en-US" dirty="0" smtClean="0"/>
-              <a:t> </a:t>
-            </a:r>
-            <a:r>
-              <a:rPr lang="en-US" i="1" dirty="0" smtClean="0"/>
+              <a:rPr lang="en-US" dirty="0"/>
+              <a:t> </a:t>
+            </a:r>
+            <a:r>
+              <a:rPr lang="en-US" i="1" dirty="0"/>
               <a:t>method</a:t>
             </a:r>
             <a:r>
-              <a:rPr lang="en-US" dirty="0" smtClean="0"/>
-              <a:t> </a:t>
-            </a:r>
-            <a:r>
-              <a:rPr lang="en-US" dirty="0" err="1" smtClean="0"/>
+              <a:rPr lang="en-US" dirty="0"/>
+              <a:t> </a:t>
+            </a:r>
+            <a:r>
+              <a:rPr lang="en-US" dirty="0" err="1"/>
               <a:t>harus</a:t>
             </a:r>
             <a:r>
-              <a:rPr lang="en-US" dirty="0" smtClean="0"/>
-              <a:t> </a:t>
-            </a:r>
-            <a:r>
-              <a:rPr lang="en-US" dirty="0" err="1" smtClean="0"/>
+              <a:rPr lang="en-US" dirty="0"/>
+              <a:t> </a:t>
+            </a:r>
+            <a:r>
+              <a:rPr lang="en-US" dirty="0" err="1"/>
               <a:t>memiliki</a:t>
             </a:r>
             <a:r>
-              <a:rPr lang="en-US" dirty="0" smtClean="0"/>
-              <a:t> </a:t>
-            </a:r>
-            <a:r>
-              <a:rPr lang="en-US" dirty="0" err="1" smtClean="0"/>
+              <a:rPr lang="en-US" dirty="0"/>
+              <a:t> </a:t>
+            </a:r>
+            <a:r>
+              <a:rPr lang="en-US" dirty="0" err="1"/>
               <a:t>dokumentasinya</a:t>
             </a:r>
-            <a:endParaRPr lang="en-US" dirty="0" smtClean="0"/>
+            <a:endParaRPr lang="en-US" dirty="0"/>
           </a:p>
           <a:p>
             <a:endParaRPr lang="en-US" dirty="0"/>
@@ -5535,13 +5681,6 @@
   <p:clrMapOvr>
     <a:masterClrMapping/>
   </p:clrMapOvr>
-  <p:timing>
-    <p:tnLst>
-      <p:par>
-        <p:cTn id="1" dur="indefinite" restart="never" nodeType="tmRoot"/>
-      </p:par>
-    </p:tnLst>
-  </p:timing>
 </p:sld>
 </file>
 
@@ -5585,39 +5724,39 @@
           <a:lstStyle/>
           <a:p>
             <a:r>
-              <a:rPr lang="en-US" dirty="0" err="1" smtClean="0"/>
+              <a:rPr lang="en-US" dirty="0" err="1"/>
               <a:t>Analisis</a:t>
             </a:r>
             <a:r>
-              <a:rPr lang="en-US" dirty="0" smtClean="0"/>
-              <a:t> </a:t>
-            </a:r>
-            <a:r>
-              <a:rPr lang="en-US" dirty="0" err="1" smtClean="0"/>
+              <a:rPr lang="en-US" dirty="0"/>
+              <a:t> </a:t>
+            </a:r>
+            <a:r>
+              <a:rPr lang="en-US" dirty="0" err="1"/>
               <a:t>Kebutuhan</a:t>
             </a:r>
             <a:r>
-              <a:rPr lang="en-US" dirty="0" smtClean="0"/>
-              <a:t> </a:t>
-            </a:r>
-            <a:r>
-              <a:rPr lang="en-US" dirty="0" err="1" smtClean="0"/>
+              <a:rPr lang="en-US" dirty="0"/>
+              <a:t> </a:t>
+            </a:r>
+            <a:r>
+              <a:rPr lang="en-US" dirty="0" err="1"/>
               <a:t>Perangkat</a:t>
             </a:r>
             <a:r>
-              <a:rPr lang="en-US" dirty="0" smtClean="0"/>
-              <a:t> </a:t>
-            </a:r>
-            <a:r>
-              <a:rPr lang="en-US" dirty="0" err="1" smtClean="0"/>
+              <a:rPr lang="en-US" dirty="0"/>
+              <a:t> </a:t>
+            </a:r>
+            <a:r>
+              <a:rPr lang="en-US" dirty="0" err="1"/>
               <a:t>Lunak</a:t>
             </a:r>
             <a:r>
-              <a:rPr lang="en-US" dirty="0" smtClean="0"/>
-              <a:t> </a:t>
-            </a:r>
-            <a:r>
-              <a:rPr lang="en-US" sz="3200" i="1" dirty="0" smtClean="0"/>
+              <a:rPr lang="en-US" dirty="0"/>
+              <a:t> </a:t>
+            </a:r>
+            <a:r>
+              <a:rPr lang="en-US" sz="3200" i="1" dirty="0"/>
               <a:t>cont.</a:t>
             </a:r>
             <a:endParaRPr lang="en-US" i="1" dirty="0"/>
@@ -5732,13 +5871,6 @@
   <p:clrMapOvr>
     <a:masterClrMapping/>
   </p:clrMapOvr>
-  <p:timing>
-    <p:tnLst>
-      <p:par>
-        <p:cTn id="1" dur="indefinite" restart="never" nodeType="tmRoot"/>
-      </p:par>
-    </p:tnLst>
-  </p:timing>
 </p:sld>
 </file>
 
@@ -5817,13 +5949,6 @@
   <p:clrMapOvr>
     <a:masterClrMapping/>
   </p:clrMapOvr>
-  <p:timing>
-    <p:tnLst>
-      <p:par>
-        <p:cTn id="1" dur="indefinite" restart="never" nodeType="tmRoot"/>
-      </p:par>
-    </p:tnLst>
-  </p:timing>
 </p:sld>
 </file>
 
@@ -5860,19 +5985,19 @@
           <a:lstStyle/>
           <a:p>
             <a:r>
-              <a:rPr lang="en-US" dirty="0" err="1" smtClean="0"/>
+              <a:rPr lang="en-US" dirty="0" err="1"/>
               <a:t>Analisis</a:t>
             </a:r>
             <a:r>
-              <a:rPr lang="en-US" dirty="0" smtClean="0"/>
+              <a:rPr lang="en-US" dirty="0"/>
               <a:t> Program </a:t>
             </a:r>
             <a:r>
-              <a:rPr lang="en-US" dirty="0" err="1" smtClean="0"/>
+              <a:rPr lang="en-US" dirty="0" err="1"/>
               <a:t>Sejenis</a:t>
             </a:r>
             <a:r>
-              <a:rPr lang="en-US" dirty="0" smtClean="0"/>
+              <a:rPr lang="en-US" dirty="0"/>
               <a:t> (</a:t>
             </a:r>
             <a:r>
@@ -5880,10 +6005,9 @@
               <a:t>TeXDoclet</a:t>
             </a:r>
             <a:r>
-              <a:rPr lang="en-US" dirty="0" smtClean="0"/>
+              <a:rPr lang="en-US" dirty="0"/>
               <a:t>)</a:t>
             </a:r>
-            <a:endParaRPr lang="en-US" dirty="0"/>
           </a:p>
         </p:txBody>
       </p:sp>
@@ -5908,91 +6032,91 @@
           <a:lstStyle/>
           <a:p>
             <a:r>
-              <a:rPr lang="en-US" dirty="0" err="1" smtClean="0"/>
+              <a:rPr lang="en-US" dirty="0" err="1"/>
               <a:t>Sebuah</a:t>
             </a:r>
             <a:r>
-              <a:rPr lang="en-US" dirty="0" smtClean="0"/>
+              <a:rPr lang="en-US" dirty="0"/>
               <a:t> program yang </a:t>
             </a:r>
             <a:r>
-              <a:rPr lang="en-US" dirty="0" err="1" smtClean="0"/>
+              <a:rPr lang="en-US" dirty="0" err="1"/>
               <a:t>mengimplementasi</a:t>
             </a:r>
             <a:r>
-              <a:rPr lang="en-US" dirty="0" smtClean="0"/>
-              <a:t> </a:t>
-            </a:r>
-            <a:r>
-              <a:rPr lang="en-US" dirty="0" err="1" smtClean="0"/>
+              <a:rPr lang="en-US" dirty="0"/>
+              <a:t> </a:t>
+            </a:r>
+            <a:r>
+              <a:rPr lang="en-US" dirty="0" err="1"/>
               <a:t>Doclet</a:t>
             </a:r>
             <a:r>
-              <a:rPr lang="en-US" dirty="0" smtClean="0"/>
+              <a:rPr lang="en-US" dirty="0"/>
               <a:t>.</a:t>
             </a:r>
           </a:p>
           <a:p>
             <a:r>
-              <a:rPr lang="en-US" dirty="0" err="1" smtClean="0"/>
+              <a:rPr lang="en-US" dirty="0" err="1"/>
               <a:t>Kegunaan</a:t>
             </a:r>
             <a:r>
-              <a:rPr lang="en-US" dirty="0" smtClean="0"/>
-              <a:t> </a:t>
-            </a:r>
-            <a:r>
-              <a:rPr lang="en-US" dirty="0" err="1" smtClean="0"/>
+              <a:rPr lang="en-US" dirty="0"/>
+              <a:t> </a:t>
+            </a:r>
+            <a:r>
+              <a:rPr lang="en-US" dirty="0" err="1"/>
               <a:t>TeXDoclet</a:t>
             </a:r>
-            <a:endParaRPr lang="en-US" dirty="0" smtClean="0"/>
-          </a:p>
-          <a:p>
-            <a:r>
-              <a:rPr lang="en-US" dirty="0" err="1" smtClean="0"/>
+            <a:endParaRPr lang="en-US" dirty="0"/>
+          </a:p>
+          <a:p>
+            <a:r>
+              <a:rPr lang="en-US" dirty="0" err="1"/>
               <a:t>Perbedaan</a:t>
             </a:r>
             <a:r>
-              <a:rPr lang="en-US" dirty="0" smtClean="0"/>
-              <a:t> </a:t>
-            </a:r>
-            <a:r>
-              <a:rPr lang="en-US" dirty="0" err="1" smtClean="0"/>
+              <a:rPr lang="en-US" dirty="0"/>
+              <a:t> </a:t>
+            </a:r>
+            <a:r>
+              <a:rPr lang="en-US" dirty="0" err="1"/>
               <a:t>TeXDoclet</a:t>
             </a:r>
             <a:r>
-              <a:rPr lang="en-US" dirty="0" smtClean="0"/>
-              <a:t> </a:t>
-            </a:r>
-            <a:r>
-              <a:rPr lang="en-US" dirty="0" err="1" smtClean="0"/>
+              <a:rPr lang="en-US" dirty="0"/>
+              <a:t> </a:t>
+            </a:r>
+            <a:r>
+              <a:rPr lang="en-US" dirty="0" err="1"/>
               <a:t>dengan</a:t>
             </a:r>
             <a:r>
-              <a:rPr lang="en-US" dirty="0" smtClean="0"/>
-              <a:t> </a:t>
-            </a:r>
-            <a:r>
-              <a:rPr lang="en-US" dirty="0" err="1" smtClean="0"/>
+              <a:rPr lang="en-US" dirty="0"/>
+              <a:t> </a:t>
+            </a:r>
+            <a:r>
+              <a:rPr lang="en-US" dirty="0" err="1"/>
               <a:t>perangkat</a:t>
             </a:r>
             <a:r>
-              <a:rPr lang="en-US" dirty="0" smtClean="0"/>
-              <a:t> </a:t>
-            </a:r>
-            <a:r>
-              <a:rPr lang="en-US" dirty="0" err="1" smtClean="0"/>
+              <a:rPr lang="en-US" dirty="0"/>
+              <a:t> </a:t>
+            </a:r>
+            <a:r>
+              <a:rPr lang="en-US" dirty="0" err="1"/>
               <a:t>lunak</a:t>
             </a:r>
             <a:r>
-              <a:rPr lang="en-US" dirty="0" smtClean="0"/>
+              <a:rPr lang="en-US" dirty="0"/>
               <a:t> yang </a:t>
             </a:r>
             <a:r>
-              <a:rPr lang="en-US" dirty="0" err="1" smtClean="0"/>
+              <a:rPr lang="en-US" dirty="0" err="1"/>
               <a:t>dibuat</a:t>
             </a:r>
-            <a:endParaRPr lang="en-US" dirty="0" smtClean="0"/>
+            <a:endParaRPr lang="en-US" dirty="0"/>
           </a:p>
         </p:txBody>
       </p:sp>
@@ -6006,13 +6130,6 @@
   <p:clrMapOvr>
     <a:masterClrMapping/>
   </p:clrMapOvr>
-  <p:timing>
-    <p:tnLst>
-      <p:par>
-        <p:cTn id="1" dur="indefinite" restart="never" nodeType="tmRoot"/>
-      </p:par>
-    </p:tnLst>
-  </p:timing>
 </p:sld>
 </file>
 
@@ -6049,15 +6166,15 @@
           <a:lstStyle/>
           <a:p>
             <a:r>
-              <a:rPr lang="en-US" dirty="0" err="1" smtClean="0"/>
+              <a:rPr lang="en-US" dirty="0" err="1"/>
               <a:t>Terima</a:t>
             </a:r>
             <a:r>
-              <a:rPr lang="en-US" dirty="0" smtClean="0"/>
-              <a:t> </a:t>
-            </a:r>
-            <a:r>
-              <a:rPr lang="en-US" dirty="0" err="1" smtClean="0"/>
+              <a:rPr lang="en-US" dirty="0"/>
+              <a:t> </a:t>
+            </a:r>
+            <a:r>
+              <a:rPr lang="en-US" dirty="0" err="1"/>
               <a:t>kasih</a:t>
             </a:r>
             <a:endParaRPr lang="en-US" dirty="0"/>
@@ -6093,13 +6210,6 @@
   <p:clrMapOvr>
     <a:masterClrMapping/>
   </p:clrMapOvr>
-  <p:timing>
-    <p:tnLst>
-      <p:par>
-        <p:cTn id="1" dur="indefinite" restart="never" nodeType="tmRoot"/>
-      </p:par>
-    </p:tnLst>
-  </p:timing>
 </p:sld>
 </file>
 
@@ -6143,15 +6253,15 @@
           <a:lstStyle/>
           <a:p>
             <a:r>
-              <a:rPr lang="en-US" dirty="0" err="1" smtClean="0"/>
+              <a:rPr lang="en-US" dirty="0" err="1"/>
               <a:t>Latar</a:t>
             </a:r>
             <a:r>
-              <a:rPr lang="en-US" dirty="0" smtClean="0"/>
-              <a:t> </a:t>
-            </a:r>
-            <a:r>
-              <a:rPr lang="en-US" dirty="0" err="1" smtClean="0"/>
+              <a:rPr lang="en-US" dirty="0"/>
+              <a:t> </a:t>
+            </a:r>
+            <a:r>
+              <a:rPr lang="en-US" dirty="0" err="1"/>
               <a:t>Belakang</a:t>
             </a:r>
             <a:endParaRPr lang="en-US" dirty="0"/>
@@ -6179,172 +6289,160 @@
           <a:lstStyle/>
           <a:p>
             <a:r>
-              <a:rPr lang="en-US" dirty="0" err="1" smtClean="0"/>
+              <a:rPr lang="en-US" dirty="0" err="1"/>
               <a:t>Membuat</a:t>
             </a:r>
             <a:r>
-              <a:rPr lang="en-US" dirty="0" smtClean="0"/>
-              <a:t> </a:t>
-            </a:r>
-            <a:r>
-              <a:rPr lang="en-US" dirty="0" err="1" smtClean="0"/>
+              <a:rPr lang="en-US" dirty="0"/>
+              <a:t> </a:t>
+            </a:r>
+            <a:r>
+              <a:rPr lang="en-US" dirty="0" err="1"/>
               <a:t>perangkat</a:t>
             </a:r>
             <a:r>
-              <a:rPr lang="en-US" dirty="0" smtClean="0"/>
-              <a:t> </a:t>
-            </a:r>
-            <a:r>
-              <a:rPr lang="en-US" dirty="0" err="1" smtClean="0"/>
+              <a:rPr lang="en-US" dirty="0"/>
+              <a:t> </a:t>
+            </a:r>
+            <a:r>
+              <a:rPr lang="en-US" dirty="0" err="1"/>
               <a:t>lunak</a:t>
             </a:r>
             <a:r>
-              <a:rPr lang="en-US" dirty="0" smtClean="0"/>
-              <a:t> </a:t>
-            </a:r>
-            <a:r>
-              <a:rPr lang="en-US" dirty="0" err="1" smtClean="0"/>
+              <a:rPr lang="en-US" dirty="0"/>
+              <a:t> </a:t>
+            </a:r>
+            <a:r>
+              <a:rPr lang="en-US" dirty="0" err="1"/>
               <a:t>dan</a:t>
             </a:r>
             <a:r>
-              <a:rPr lang="en-US" dirty="0" smtClean="0"/>
-              <a:t> </a:t>
-            </a:r>
-            <a:r>
-              <a:rPr lang="en-US" dirty="0" err="1" smtClean="0"/>
-              <a:t>dokumen</a:t>
-            </a:r>
-            <a:r>
-              <a:rPr lang="en-US" dirty="0" smtClean="0"/>
+              <a:rPr lang="en-US" dirty="0"/>
+              <a:t> </a:t>
+            </a:r>
+            <a:r>
+              <a:rPr lang="en-US" dirty="0" err="1"/>
+              <a:t>dokumennya</a:t>
+            </a:r>
+            <a:r>
+              <a:rPr lang="en-US" dirty="0"/>
               <a:t>.</a:t>
             </a:r>
           </a:p>
           <a:p>
             <a:r>
-              <a:rPr lang="en-US" dirty="0" err="1" smtClean="0"/>
-              <a:t>Dokumentasi</a:t>
-            </a:r>
-            <a:r>
-              <a:rPr lang="en-US" dirty="0" smtClean="0"/>
-              <a:t> </a:t>
-            </a:r>
-            <a:r>
-              <a:rPr lang="en-US" dirty="0" err="1" smtClean="0"/>
+              <a:rPr lang="en-US" dirty="0" err="1"/>
+              <a:t>Kode</a:t>
+            </a:r>
+            <a:r>
+              <a:rPr lang="en-US" dirty="0"/>
+              <a:t> </a:t>
+            </a:r>
+            <a:r>
+              <a:rPr lang="en-US" dirty="0" err="1"/>
+              <a:t>dari</a:t>
+            </a:r>
+            <a:r>
+              <a:rPr lang="en-US" dirty="0"/>
+              <a:t> </a:t>
+            </a:r>
+            <a:r>
+              <a:rPr lang="en-US" dirty="0" err="1"/>
+              <a:t>perangkat</a:t>
+            </a:r>
+            <a:r>
+              <a:rPr lang="en-US" dirty="0"/>
+              <a:t> </a:t>
+            </a:r>
+            <a:r>
+              <a:rPr lang="en-US" dirty="0" err="1"/>
+              <a:t>lunak</a:t>
+            </a:r>
+            <a:r>
+              <a:rPr lang="en-US" dirty="0"/>
+              <a:t> </a:t>
+            </a:r>
+            <a:r>
+              <a:rPr lang="en-US" dirty="0" err="1"/>
+              <a:t>akan</a:t>
+            </a:r>
+            <a:r>
+              <a:rPr lang="en-US" dirty="0"/>
+              <a:t> </a:t>
+            </a:r>
+            <a:r>
+              <a:rPr lang="en-US" dirty="0" err="1"/>
+              <a:t>dikonversi</a:t>
+            </a:r>
+            <a:r>
+              <a:rPr lang="en-US" dirty="0"/>
+              <a:t> </a:t>
+            </a:r>
+            <a:r>
+              <a:rPr lang="en-US" dirty="0" err="1"/>
+              <a:t>ke</a:t>
+            </a:r>
+            <a:r>
+              <a:rPr lang="en-US" dirty="0"/>
+              <a:t> </a:t>
+            </a:r>
+            <a:r>
+              <a:rPr lang="en-US" dirty="0" err="1"/>
+              <a:t>dalam</a:t>
+            </a:r>
+            <a:r>
+              <a:rPr lang="en-US" dirty="0"/>
+              <a:t> format </a:t>
+            </a:r>
+            <a:r>
+              <a:rPr lang="en-US" dirty="0" err="1"/>
+              <a:t>LaTeX</a:t>
+            </a:r>
+            <a:r>
+              <a:rPr lang="en-US" dirty="0"/>
+              <a:t>.</a:t>
+            </a:r>
+          </a:p>
+          <a:p>
+            <a:r>
+              <a:rPr lang="en-US" dirty="0" err="1"/>
+              <a:t>Dokumen</a:t>
+            </a:r>
+            <a:r>
+              <a:rPr lang="en-US" dirty="0"/>
+              <a:t> </a:t>
+            </a:r>
+            <a:r>
+              <a:rPr lang="en-US" dirty="0" err="1"/>
+              <a:t>tersebut</a:t>
+            </a:r>
+            <a:r>
+              <a:rPr lang="en-US" dirty="0"/>
+              <a:t> </a:t>
+            </a:r>
+            <a:r>
+              <a:rPr lang="en-US" dirty="0" err="1"/>
               <a:t>masih</a:t>
             </a:r>
             <a:r>
-              <a:rPr lang="en-US" dirty="0" smtClean="0"/>
-              <a:t> </a:t>
-            </a:r>
-            <a:r>
-              <a:rPr lang="en-US" dirty="0" err="1" smtClean="0"/>
+              <a:rPr lang="en-US" dirty="0"/>
+              <a:t> </a:t>
+            </a:r>
+            <a:r>
+              <a:rPr lang="en-US" dirty="0" err="1"/>
               <a:t>ditulis</a:t>
             </a:r>
             <a:r>
-              <a:rPr lang="en-US" dirty="0" smtClean="0"/>
-              <a:t> </a:t>
-            </a:r>
-            <a:r>
-              <a:rPr lang="en-US" dirty="0" err="1" smtClean="0"/>
+              <a:rPr lang="en-US" dirty="0"/>
+              <a:t> </a:t>
+            </a:r>
+            <a:r>
+              <a:rPr lang="en-US" dirty="0" err="1"/>
               <a:t>secara</a:t>
             </a:r>
             <a:r>
-              <a:rPr lang="en-US" dirty="0" smtClean="0"/>
-              <a:t> manual</a:t>
-            </a:r>
-            <a:r>
-              <a:rPr lang="en-US" dirty="0"/>
-              <a:t> </a:t>
-            </a:r>
-            <a:r>
-              <a:rPr lang="en-US" dirty="0" err="1" smtClean="0"/>
-              <a:t>menggunakan</a:t>
-            </a:r>
-            <a:r>
-              <a:rPr lang="en-US" dirty="0" smtClean="0"/>
-              <a:t> </a:t>
-            </a:r>
-            <a:r>
-              <a:rPr lang="en-US" dirty="0" err="1" smtClean="0"/>
-              <a:t>LaTeX</a:t>
-            </a:r>
-            <a:r>
-              <a:rPr lang="en-US" dirty="0" smtClean="0"/>
-              <a:t>.</a:t>
-            </a:r>
-          </a:p>
-          <a:p>
-            <a:r>
-              <a:rPr lang="en-US" dirty="0" err="1" smtClean="0"/>
-              <a:t>Kode</a:t>
-            </a:r>
-            <a:r>
-              <a:rPr lang="en-US" dirty="0" smtClean="0"/>
-              <a:t> </a:t>
-            </a:r>
-            <a:r>
-              <a:rPr lang="en-US" dirty="0" err="1" smtClean="0"/>
-              <a:t>dari</a:t>
-            </a:r>
-            <a:r>
-              <a:rPr lang="en-US" dirty="0" smtClean="0"/>
-              <a:t> </a:t>
-            </a:r>
-            <a:r>
-              <a:rPr lang="en-US" dirty="0" err="1" smtClean="0"/>
-              <a:t>perangkat</a:t>
-            </a:r>
-            <a:r>
-              <a:rPr lang="en-US" dirty="0" smtClean="0"/>
-              <a:t> </a:t>
-            </a:r>
-            <a:r>
-              <a:rPr lang="en-US" dirty="0" err="1" smtClean="0"/>
-              <a:t>lunak</a:t>
-            </a:r>
-            <a:r>
-              <a:rPr lang="en-US" dirty="0" smtClean="0"/>
-              <a:t> </a:t>
-            </a:r>
-            <a:r>
-              <a:rPr lang="en-US" dirty="0" err="1" smtClean="0"/>
-              <a:t>akan</a:t>
-            </a:r>
-            <a:r>
-              <a:rPr lang="en-US" dirty="0" smtClean="0"/>
-              <a:t> </a:t>
-            </a:r>
-            <a:r>
-              <a:rPr lang="en-US" dirty="0" err="1" smtClean="0"/>
-              <a:t>dikonversi</a:t>
-            </a:r>
-            <a:r>
-              <a:rPr lang="en-US" dirty="0" smtClean="0"/>
-              <a:t> </a:t>
-            </a:r>
-            <a:r>
-              <a:rPr lang="en-US" dirty="0" err="1" smtClean="0"/>
-              <a:t>ke</a:t>
-            </a:r>
-            <a:r>
-              <a:rPr lang="en-US" dirty="0" smtClean="0"/>
-              <a:t> </a:t>
-            </a:r>
-            <a:r>
-              <a:rPr lang="en-US" dirty="0" err="1" smtClean="0"/>
-              <a:t>dalam</a:t>
-            </a:r>
-            <a:r>
-              <a:rPr lang="en-US" dirty="0" smtClean="0"/>
-              <a:t> format </a:t>
-            </a:r>
-            <a:r>
-              <a:rPr lang="en-US" dirty="0" err="1" smtClean="0"/>
-              <a:t>LaTeX</a:t>
-            </a:r>
-            <a:r>
-              <a:rPr lang="en-US" dirty="0" smtClean="0"/>
-              <a:t>.</a:t>
+              <a:rPr lang="en-US" dirty="0"/>
+              <a:t> manual.</a:t>
             </a:r>
           </a:p>
         </p:txBody>
@@ -6359,13 +6457,6 @@
   <p:clrMapOvr>
     <a:masterClrMapping/>
   </p:clrMapOvr>
-  <p:timing>
-    <p:tnLst>
-      <p:par>
-        <p:cTn id="1" dur="indefinite" restart="never" nodeType="tmRoot"/>
-      </p:par>
-    </p:tnLst>
-  </p:timing>
 </p:sld>
 </file>
 
@@ -6402,15 +6493,15 @@
           <a:lstStyle/>
           <a:p>
             <a:r>
-              <a:rPr lang="en-US" dirty="0" err="1" smtClean="0"/>
+              <a:rPr lang="en-US" dirty="0" err="1"/>
               <a:t>Batasan</a:t>
             </a:r>
             <a:r>
-              <a:rPr lang="en-US" dirty="0" smtClean="0"/>
-              <a:t> </a:t>
-            </a:r>
-            <a:r>
-              <a:rPr lang="en-US" dirty="0" err="1" smtClean="0"/>
+              <a:rPr lang="en-US" dirty="0"/>
+              <a:t> </a:t>
+            </a:r>
+            <a:r>
+              <a:rPr lang="en-US" dirty="0" err="1"/>
               <a:t>Masalah</a:t>
             </a:r>
             <a:endParaRPr lang="en-US" dirty="0"/>
@@ -6433,36 +6524,32 @@
           <a:lstStyle/>
           <a:p>
             <a:r>
-              <a:rPr lang="en-US" dirty="0" smtClean="0"/>
+              <a:rPr lang="en-US" dirty="0"/>
               <a:t>File Java</a:t>
             </a:r>
           </a:p>
           <a:p>
             <a:r>
               <a:rPr lang="en-US" dirty="0" err="1"/>
-              <a:t>B</a:t>
-            </a:r>
-            <a:r>
-              <a:rPr lang="en-US" dirty="0" err="1" smtClean="0"/>
-              <a:t>erada</a:t>
-            </a:r>
-            <a:r>
-              <a:rPr lang="en-US" dirty="0" smtClean="0"/>
-              <a:t> </a:t>
-            </a:r>
-            <a:r>
-              <a:rPr lang="en-US" dirty="0" err="1" smtClean="0"/>
+              <a:t>Berada</a:t>
+            </a:r>
+            <a:r>
+              <a:rPr lang="en-US" dirty="0"/>
+              <a:t> </a:t>
+            </a:r>
+            <a:r>
+              <a:rPr lang="en-US" dirty="0" err="1"/>
               <a:t>didalam</a:t>
             </a:r>
             <a:r>
-              <a:rPr lang="en-US" dirty="0" smtClean="0"/>
+              <a:rPr lang="en-US" dirty="0"/>
               <a:t> 1 package yang </a:t>
             </a:r>
             <a:r>
-              <a:rPr lang="en-US" dirty="0" err="1" smtClean="0"/>
+              <a:rPr lang="en-US" dirty="0" err="1"/>
               <a:t>sama</a:t>
             </a:r>
-            <a:endParaRPr lang="en-US" dirty="0" smtClean="0"/>
+            <a:endParaRPr lang="en-US" dirty="0"/>
           </a:p>
         </p:txBody>
       </p:sp>
@@ -6476,21 +6563,6 @@
   <p:clrMapOvr>
     <a:masterClrMapping/>
   </p:clrMapOvr>
-  <mc:AlternateContent xmlns:mc="http://schemas.openxmlformats.org/markup-compatibility/2006">
-    <mc:Choice xmlns:p14="http://schemas.microsoft.com/office/powerpoint/2010/main" Requires="p14">
-      <p:transition spd="slow" p14:dur="2000"/>
-    </mc:Choice>
-    <mc:Fallback>
-      <p:transition spd="slow"/>
-    </mc:Fallback>
-  </mc:AlternateContent>
-  <p:timing>
-    <p:tnLst>
-      <p:par>
-        <p:cTn id="1" dur="indefinite" restart="never" nodeType="tmRoot"/>
-      </p:par>
-    </p:tnLst>
-  </p:timing>
 </p:sld>
 </file>
 
@@ -6527,7 +6599,7 @@
           <a:lstStyle/>
           <a:p>
             <a:r>
-              <a:rPr lang="en-US" dirty="0" err="1" smtClean="0"/>
+              <a:rPr lang="en-US" dirty="0" err="1"/>
               <a:t>Tujuan</a:t>
             </a:r>
             <a:endParaRPr lang="en-US" dirty="0"/>
@@ -6550,74 +6622,131 @@
           <a:lstStyle/>
           <a:p>
             <a:r>
-              <a:rPr lang="en-US" dirty="0" err="1" smtClean="0"/>
-              <a:t>Membuat</a:t>
-            </a:r>
-            <a:r>
-              <a:rPr lang="en-US" dirty="0" smtClean="0"/>
-              <a:t> </a:t>
-            </a:r>
-            <a:r>
-              <a:rPr lang="en-US" dirty="0" err="1" smtClean="0"/>
-              <a:t>perangkat</a:t>
-            </a:r>
-            <a:r>
-              <a:rPr lang="en-US" dirty="0" smtClean="0"/>
-              <a:t> </a:t>
-            </a:r>
-            <a:r>
-              <a:rPr lang="en-US" dirty="0" err="1" smtClean="0"/>
-              <a:t>lunak</a:t>
-            </a:r>
-            <a:r>
-              <a:rPr lang="en-US" dirty="0" smtClean="0"/>
+              <a:rPr lang="en-US" dirty="0" err="1"/>
+              <a:t>Mengambil</a:t>
+            </a:r>
+            <a:r>
+              <a:rPr lang="en-US" dirty="0"/>
+              <a:t> </a:t>
+            </a:r>
+            <a:r>
+              <a:rPr lang="en-US" dirty="0" err="1"/>
+              <a:t>informasi</a:t>
+            </a:r>
+            <a:r>
+              <a:rPr lang="en-US" dirty="0"/>
+              <a:t> </a:t>
+            </a:r>
+            <a:r>
+              <a:rPr lang="en-US" dirty="0" err="1"/>
+              <a:t>dari</a:t>
+            </a:r>
+            <a:r>
+              <a:rPr lang="en-US" dirty="0"/>
+              <a:t> </a:t>
+            </a:r>
+            <a:r>
+              <a:rPr lang="en-US" dirty="0" err="1"/>
+              <a:t>sekumpulan</a:t>
+            </a:r>
+            <a:r>
+              <a:rPr lang="en-US" dirty="0"/>
+              <a:t> </a:t>
+            </a:r>
+            <a:r>
+              <a:rPr lang="en-US" i="1" dirty="0"/>
+              <a:t>file Java</a:t>
+            </a:r>
+            <a:r>
+              <a:rPr lang="en-US" dirty="0"/>
               <a:t> yang </a:t>
             </a:r>
             <a:r>
-              <a:rPr lang="en-US" dirty="0" err="1" smtClean="0"/>
-              <a:t>dapat</a:t>
-            </a:r>
-            <a:r>
-              <a:rPr lang="en-US" dirty="0" smtClean="0"/>
-              <a:t> </a:t>
-            </a:r>
-            <a:r>
-              <a:rPr lang="en-US" dirty="0" err="1" smtClean="0"/>
-              <a:t>mengkonversi</a:t>
-            </a:r>
-            <a:r>
-              <a:rPr lang="en-US" dirty="0" smtClean="0"/>
-              <a:t> format Javadoc </a:t>
-            </a:r>
-            <a:r>
-              <a:rPr lang="en-US" dirty="0" err="1" smtClean="0"/>
+              <a:rPr lang="en-US" dirty="0" err="1"/>
+              <a:t>terdapat</a:t>
+            </a:r>
+            <a:r>
+              <a:rPr lang="en-US" dirty="0"/>
+              <a:t> </a:t>
+            </a:r>
+            <a:r>
+              <a:rPr lang="en-US" dirty="0" err="1"/>
+              <a:t>pada</a:t>
+            </a:r>
+            <a:r>
+              <a:rPr lang="en-US" dirty="0"/>
+              <a:t> </a:t>
+            </a:r>
+            <a:r>
+              <a:rPr lang="en-US" dirty="0" err="1"/>
+              <a:t>sebuah</a:t>
+            </a:r>
+            <a:r>
+              <a:rPr lang="en-US" dirty="0"/>
+              <a:t> </a:t>
+            </a:r>
+            <a:r>
+              <a:rPr lang="en-US" i="1" dirty="0"/>
+              <a:t>package</a:t>
+            </a:r>
+          </a:p>
+          <a:p>
+            <a:r>
+              <a:rPr lang="en-US" dirty="0" err="1"/>
+              <a:t>Mengonversikan</a:t>
+            </a:r>
+            <a:r>
+              <a:rPr lang="en-US" dirty="0"/>
+              <a:t> format </a:t>
+            </a:r>
+            <a:r>
+              <a:rPr lang="en-US" i="1" dirty="0"/>
+              <a:t>Javadoc</a:t>
+            </a:r>
+            <a:r>
+              <a:rPr lang="en-US" dirty="0"/>
+              <a:t> </a:t>
+            </a:r>
+            <a:r>
+              <a:rPr lang="en-US" dirty="0" err="1"/>
               <a:t>ke</a:t>
             </a:r>
             <a:r>
-              <a:rPr lang="en-US" dirty="0" smtClean="0"/>
+              <a:rPr lang="en-US" dirty="0"/>
+              <a:t> </a:t>
+            </a:r>
+            <a:r>
+              <a:rPr lang="en-US" dirty="0" err="1"/>
+              <a:t>dalam</a:t>
+            </a:r>
+            <a:r>
+              <a:rPr lang="en-US" dirty="0"/>
               <a:t> format </a:t>
             </a:r>
             <a:r>
-              <a:rPr lang="en-US" dirty="0" err="1" smtClean="0"/>
+              <a:rPr lang="en-US" dirty="0" err="1"/>
               <a:t>LaTeX</a:t>
             </a:r>
             <a:r>
-              <a:rPr lang="en-US" dirty="0" smtClean="0"/>
-              <a:t> </a:t>
-            </a:r>
-            <a:r>
-              <a:rPr lang="en-US" dirty="0" err="1" smtClean="0"/>
+              <a:rPr lang="en-US" dirty="0"/>
+              <a:t> </a:t>
+            </a:r>
+            <a:r>
+              <a:rPr lang="en-US" dirty="0" err="1"/>
               <a:t>secara</a:t>
             </a:r>
             <a:r>
-              <a:rPr lang="en-US" dirty="0" smtClean="0"/>
-              <a:t> </a:t>
-            </a:r>
-            <a:r>
-              <a:rPr lang="en-US" dirty="0" err="1" smtClean="0"/>
+              <a:rPr lang="en-US" dirty="0"/>
+              <a:t> </a:t>
+            </a:r>
+            <a:r>
+              <a:rPr lang="en-US" dirty="0" err="1"/>
               <a:t>otomatis</a:t>
             </a:r>
-            <a:endParaRPr lang="en-US" dirty="0"/>
+            <a:r>
+              <a:rPr lang="en-US" dirty="0"/>
+              <a:t>.</a:t>
+            </a:r>
           </a:p>
         </p:txBody>
       </p:sp>
@@ -6631,13 +6760,6 @@
   <p:clrMapOvr>
     <a:masterClrMapping/>
   </p:clrMapOvr>
-  <p:timing>
-    <p:tnLst>
-      <p:par>
-        <p:cTn id="1" dur="indefinite" restart="never" nodeType="tmRoot"/>
-      </p:par>
-    </p:tnLst>
-  </p:timing>
 </p:sld>
 </file>
 
@@ -6681,10 +6803,9 @@
           <a:lstStyle/>
           <a:p>
             <a:r>
-              <a:rPr lang="en-US" dirty="0" smtClean="0"/>
+              <a:rPr lang="en-US" dirty="0"/>
               <a:t>Javadoc</a:t>
             </a:r>
-            <a:endParaRPr lang="en-US" dirty="0"/>
           </a:p>
         </p:txBody>
       </p:sp>
@@ -6712,18 +6833,45 @@
           <a:p>
             <a:r>
               <a:rPr lang="en-US" dirty="0" err="1"/>
-              <a:t>M</a:t>
-            </a:r>
-            <a:r>
-              <a:rPr lang="en-US" dirty="0" err="1" smtClean="0"/>
-              <a:t>engekstrak</a:t>
-            </a:r>
-            <a:r>
-              <a:rPr lang="en-US" dirty="0" smtClean="0"/>
-              <a:t> </a:t>
-            </a:r>
-            <a:r>
-              <a:rPr lang="en-US" dirty="0" err="1" smtClean="0"/>
+              <a:t>Sebagai</a:t>
+            </a:r>
+            <a:r>
+              <a:rPr lang="en-US" dirty="0"/>
+              <a:t> </a:t>
+            </a:r>
+            <a:r>
+              <a:rPr lang="en-US" dirty="0" err="1"/>
+              <a:t>dokumentasi</a:t>
+            </a:r>
+            <a:r>
+              <a:rPr lang="en-US" dirty="0"/>
+              <a:t> </a:t>
+            </a:r>
+            <a:r>
+              <a:rPr lang="en-US" dirty="0" err="1"/>
+              <a:t>kode</a:t>
+            </a:r>
+            <a:r>
+              <a:rPr lang="en-US" dirty="0"/>
+              <a:t> program </a:t>
+            </a:r>
+            <a:r>
+              <a:rPr lang="en-US" i="1" dirty="0"/>
+              <a:t>Java.</a:t>
+            </a:r>
+            <a:endParaRPr lang="en-US" dirty="0"/>
+          </a:p>
+          <a:p>
+            <a:r>
+              <a:rPr lang="en-US" dirty="0" err="1"/>
+              <a:t>Mengambil</a:t>
+            </a:r>
+            <a:r>
+              <a:rPr lang="en-US" dirty="0"/>
+              <a:t> </a:t>
+            </a:r>
+            <a:r>
+              <a:rPr lang="en-US" dirty="0" err="1"/>
               <a:t>informasi</a:t>
             </a:r>
             <a:r>
@@ -6731,11 +6879,11 @@
               <a:t> </a:t>
             </a:r>
             <a:r>
-              <a:rPr lang="en-US" dirty="0" err="1" smtClean="0"/>
+              <a:rPr lang="en-US" dirty="0" err="1"/>
               <a:t>dari</a:t>
             </a:r>
             <a:r>
-              <a:rPr lang="en-US" dirty="0" smtClean="0"/>
+              <a:rPr lang="en-US" dirty="0"/>
               <a:t> </a:t>
             </a:r>
             <a:r>
@@ -6744,44 +6892,65 @@
             </a:r>
             <a:r>
               <a:rPr lang="en-US" dirty="0"/>
-              <a:t> source file </a:t>
-            </a:r>
-            <a:r>
-              <a:rPr lang="en-US" dirty="0" smtClean="0"/>
-              <a:t>java.</a:t>
-            </a:r>
-          </a:p>
-          <a:p>
-            <a:r>
-              <a:rPr lang="en-US" dirty="0" err="1" smtClean="0"/>
-              <a:t>Sebagai</a:t>
-            </a:r>
-            <a:r>
-              <a:rPr lang="en-US" dirty="0" smtClean="0"/>
-              <a:t> </a:t>
-            </a:r>
-            <a:r>
-              <a:rPr lang="en-US" dirty="0" err="1" smtClean="0"/>
+              <a:t> </a:t>
+            </a:r>
+            <a:r>
+              <a:rPr lang="en-US" i="1" dirty="0"/>
+              <a:t>source file Java</a:t>
+            </a:r>
+            <a:r>
+              <a:rPr lang="en-US" dirty="0"/>
+              <a:t>.</a:t>
+            </a:r>
+          </a:p>
+          <a:p>
+            <a:r>
+              <a:rPr lang="en-US" dirty="0" err="1"/>
+              <a:t>Menghasilkan</a:t>
+            </a:r>
+            <a:r>
+              <a:rPr lang="en-US" dirty="0"/>
+              <a:t> </a:t>
+            </a:r>
+            <a:r>
+              <a:rPr lang="en-US" dirty="0" err="1"/>
+              <a:t>sebuah</a:t>
+            </a:r>
+            <a:r>
+              <a:rPr lang="en-US" dirty="0"/>
+              <a:t> </a:t>
+            </a:r>
+            <a:r>
+              <a:rPr lang="en-US" dirty="0" err="1"/>
               <a:t>dokumentasi</a:t>
             </a:r>
             <a:r>
-              <a:rPr lang="en-US" dirty="0" smtClean="0"/>
-              <a:t> </a:t>
-            </a:r>
-            <a:r>
-              <a:rPr lang="en-US" dirty="0" err="1" smtClean="0"/>
+              <a:rPr lang="en-US" dirty="0"/>
+              <a:t> </a:t>
+            </a:r>
+            <a:r>
+              <a:rPr lang="en-US" dirty="0" err="1"/>
               <a:t>kode</a:t>
             </a:r>
             <a:r>
-              <a:rPr lang="en-US" dirty="0" smtClean="0"/>
-              <a:t> program</a:t>
-            </a:r>
-          </a:p>
-          <a:p>
-            <a:endParaRPr lang="en-US" dirty="0" smtClean="0"/>
-          </a:p>
-          <a:p>
-            <a:endParaRPr lang="en-US" dirty="0" smtClean="0"/>
+              <a:rPr lang="en-US" dirty="0"/>
+              <a:t> </a:t>
+            </a:r>
+            <a:r>
+              <a:rPr lang="en-US"/>
+              <a:t>program </a:t>
+            </a:r>
+            <a:r>
+              <a:rPr lang="en-US" i="1"/>
+              <a:t>Java.</a:t>
+            </a:r>
+            <a:endParaRPr lang="en-US" dirty="0"/>
+          </a:p>
+          <a:p>
+            <a:endParaRPr lang="en-US" dirty="0"/>
+          </a:p>
+          <a:p>
+            <a:endParaRPr lang="en-US" dirty="0"/>
           </a:p>
         </p:txBody>
       </p:sp>
@@ -6824,13 +6993,6 @@
   <p:clrMapOvr>
     <a:masterClrMapping/>
   </p:clrMapOvr>
-  <p:timing>
-    <p:tnLst>
-      <p:par>
-        <p:cTn id="1" dur="indefinite" restart="never" nodeType="tmRoot"/>
-      </p:par>
-    </p:tnLst>
-  </p:timing>
 </p:sld>
 </file>
 
@@ -6874,7 +7036,7 @@
           <a:lstStyle/>
           <a:p>
             <a:r>
-              <a:rPr lang="en-US" dirty="0" err="1" smtClean="0"/>
+              <a:rPr lang="en-US" dirty="0" err="1"/>
               <a:t>Doclet</a:t>
             </a:r>
             <a:endParaRPr lang="en-US" dirty="0"/>
@@ -6903,14 +7065,10 @@
           <a:p>
             <a:r>
               <a:rPr lang="en-US" dirty="0" err="1"/>
-              <a:t>M</a:t>
-            </a:r>
-            <a:r>
-              <a:rPr lang="en-US" dirty="0" err="1" smtClean="0"/>
-              <a:t>enghasilkan</a:t>
-            </a:r>
-            <a:r>
-              <a:rPr lang="en-US" dirty="0" smtClean="0"/>
+              <a:t>Menghasilkan</a:t>
+            </a:r>
+            <a:r>
+              <a:rPr lang="en-US" dirty="0"/>
               <a:t> </a:t>
             </a:r>
             <a:r>
@@ -6922,8 +7080,12 @@
               <a:t> output </a:t>
             </a:r>
             <a:r>
-              <a:rPr lang="en-US" dirty="0" smtClean="0"/>
-              <a:t>Javadoc yang </a:t>
+              <a:rPr lang="en-US" i="1" dirty="0"/>
+              <a:t>Javadoc</a:t>
+            </a:r>
+            <a:r>
+              <a:rPr lang="en-US" dirty="0"/>
+              <a:t> yang </a:t>
             </a:r>
             <a:r>
               <a:rPr lang="en-US" dirty="0" err="1"/>
@@ -6934,11 +7096,11 @@
               <a:t> </a:t>
             </a:r>
             <a:r>
-              <a:rPr lang="en-US" dirty="0" err="1" smtClean="0"/>
+              <a:rPr lang="en-US" dirty="0" err="1"/>
               <a:t>disesuaikan</a:t>
             </a:r>
             <a:r>
-              <a:rPr lang="en-US" dirty="0" smtClean="0"/>
+              <a:rPr lang="en-US" dirty="0"/>
               <a:t>.</a:t>
             </a:r>
           </a:p>
@@ -6992,56 +7154,52 @@
               <a:t> </a:t>
             </a:r>
             <a:r>
-              <a:rPr lang="en-US" dirty="0" err="1" smtClean="0"/>
+              <a:rPr lang="en-US" dirty="0" err="1"/>
               <a:t>dengan</a:t>
             </a:r>
             <a:r>
               <a:rPr lang="en-US" dirty="0"/>
-              <a:t> </a:t>
-            </a:r>
-            <a:r>
-              <a:rPr lang="en-US" dirty="0" smtClean="0"/>
-              <a:t>format HTML</a:t>
-            </a:r>
-          </a:p>
-          <a:p>
-            <a:r>
-              <a:rPr lang="en-US" i="1" dirty="0" err="1" smtClean="0"/>
+              <a:t> format HTML</a:t>
+            </a:r>
+          </a:p>
+          <a:p>
+            <a:r>
+              <a:rPr lang="en-US" i="1" dirty="0" err="1"/>
               <a:t>Memiliki</a:t>
             </a:r>
             <a:r>
-              <a:rPr lang="en-US" i="1" dirty="0" smtClean="0"/>
+              <a:rPr lang="en-US" i="1" dirty="0"/>
               <a:t> interface:</a:t>
             </a:r>
           </a:p>
           <a:p>
             <a:pPr lvl="1"/>
             <a:r>
-              <a:rPr lang="en-US" i="1" dirty="0" err="1" smtClean="0"/>
+              <a:rPr lang="en-US" i="1" dirty="0" err="1"/>
               <a:t>RootDoc</a:t>
             </a:r>
-            <a:endParaRPr lang="en-US" i="1" dirty="0" smtClean="0"/>
+            <a:endParaRPr lang="en-US" i="1" dirty="0"/>
           </a:p>
           <a:p>
             <a:pPr lvl="1"/>
             <a:r>
-              <a:rPr lang="en-US" i="1" dirty="0" err="1" smtClean="0"/>
+              <a:rPr lang="en-US" i="1" dirty="0" err="1"/>
               <a:t>ClassDoc</a:t>
             </a:r>
-            <a:endParaRPr lang="en-US" i="1" dirty="0" smtClean="0"/>
+            <a:endParaRPr lang="en-US" i="1" dirty="0"/>
           </a:p>
           <a:p>
             <a:pPr lvl="1"/>
             <a:r>
-              <a:rPr lang="en-US" i="1" dirty="0" err="1" smtClean="0"/>
+              <a:rPr lang="en-US" i="1" dirty="0" err="1"/>
               <a:t>MethodDoc</a:t>
             </a:r>
-            <a:endParaRPr lang="en-US" i="1" dirty="0" smtClean="0"/>
+            <a:endParaRPr lang="en-US" i="1" dirty="0"/>
           </a:p>
           <a:p>
             <a:pPr lvl="1"/>
             <a:r>
-              <a:rPr lang="en-US" i="1" dirty="0" err="1" smtClean="0"/>
+              <a:rPr lang="en-US" i="1" dirty="0" err="1"/>
               <a:t>ParamTag</a:t>
             </a:r>
             <a:endParaRPr lang="en-US" i="1" dirty="0"/>
@@ -7058,13 +7216,6 @@
   <p:clrMapOvr>
     <a:masterClrMapping/>
   </p:clrMapOvr>
-  <p:timing>
-    <p:tnLst>
-      <p:par>
-        <p:cTn id="1" dur="indefinite" restart="never" nodeType="tmRoot"/>
-      </p:par>
-    </p:tnLst>
-  </p:timing>
 </p:sld>
 </file>
 
@@ -7143,13 +7294,6 @@
   <p:clrMapOvr>
     <a:masterClrMapping/>
   </p:clrMapOvr>
-  <p:timing>
-    <p:tnLst>
-      <p:par>
-        <p:cTn id="1" dur="indefinite" restart="never" nodeType="tmRoot"/>
-      </p:par>
-    </p:tnLst>
-  </p:timing>
 </p:sld>
 </file>
 
@@ -7186,7 +7330,7 @@
           <a:lstStyle/>
           <a:p>
             <a:r>
-              <a:rPr lang="en-US" dirty="0" err="1" smtClean="0"/>
+              <a:rPr lang="en-US" dirty="0" err="1"/>
               <a:t>LaTeX</a:t>
             </a:r>
             <a:endParaRPr lang="en-US" dirty="0"/>
@@ -7210,14 +7354,10 @@
           <a:p>
             <a:r>
               <a:rPr lang="en-US" dirty="0" err="1"/>
-              <a:t>S</a:t>
-            </a:r>
-            <a:r>
-              <a:rPr lang="en-US" dirty="0" err="1" smtClean="0"/>
-              <a:t>ebuah</a:t>
-            </a:r>
-            <a:r>
-              <a:rPr lang="en-US" dirty="0" smtClean="0"/>
+              <a:t>Sebuah</a:t>
+            </a:r>
+            <a:r>
+              <a:rPr lang="en-US" dirty="0"/>
               <a:t> </a:t>
             </a:r>
             <a:r>
@@ -7253,35 +7393,22 @@
               <a:t> </a:t>
             </a:r>
             <a:r>
-              <a:rPr lang="en-US" dirty="0" err="1" smtClean="0"/>
+              <a:rPr lang="en-US" dirty="0" err="1"/>
               <a:t>dokumen</a:t>
             </a:r>
             <a:r>
-              <a:rPr lang="en-US" dirty="0" smtClean="0"/>
+              <a:rPr lang="en-US" dirty="0"/>
               <a:t>.</a:t>
             </a:r>
           </a:p>
           <a:p>
             <a:r>
               <a:rPr lang="en-US" dirty="0"/>
-              <a:t>WYMIWYG (What </a:t>
-            </a:r>
-            <a:r>
-              <a:rPr lang="en-US" dirty="0" smtClean="0"/>
-              <a:t>you Mean </a:t>
-            </a:r>
-            <a:r>
-              <a:rPr lang="en-US" dirty="0"/>
-              <a:t>Is What You Get</a:t>
-            </a:r>
-            <a:r>
-              <a:rPr lang="en-US" dirty="0" smtClean="0"/>
-              <a:t>)</a:t>
-            </a:r>
+              <a:t>WYMIWYG (What you Mean Is What You Get)</a:t>
+            </a:r>
+          </a:p>
+          <a:p>
             <a:endParaRPr lang="en-US" dirty="0"/>
-          </a:p>
-          <a:p>
-            <a:endParaRPr lang="en-US" dirty="0" smtClean="0"/>
           </a:p>
           <a:p>
             <a:endParaRPr lang="en-US" dirty="0"/>
@@ -7298,13 +7425,6 @@
   <p:clrMapOvr>
     <a:masterClrMapping/>
   </p:clrMapOvr>
-  <p:timing>
-    <p:tnLst>
-      <p:par>
-        <p:cTn id="1" dur="indefinite" restart="never" nodeType="tmRoot"/>
-      </p:par>
-    </p:tnLst>
-  </p:timing>
 </p:sld>
 </file>
 
@@ -7433,13 +7553,6 @@
   <p:clrMapOvr>
     <a:masterClrMapping/>
   </p:clrMapOvr>
-  <p:timing>
-    <p:tnLst>
-      <p:par>
-        <p:cTn id="1" dur="indefinite" restart="never" nodeType="tmRoot"/>
-      </p:par>
-    </p:tnLst>
-  </p:timing>
 </p:sld>
 </file>
 
